--- a/spring12/slidesS12/asymptotics.pptx
+++ b/spring12/slidesS12/asymptotics.pptx
@@ -2506,7 +2506,7 @@
           <a:lstStyle/>
           <a:p>
             <a:pPr eaLnBrk="1" hangingPunct="1"/>
-            <a:endParaRPr lang="en-US" smtClean="0"/>
+            <a:endParaRPr lang="en-US" dirty="0" smtClean="0"/>
           </a:p>
         </p:txBody>
       </p:sp>
@@ -3898,13 +3898,7 @@
               <a:rPr lang="en-US" sz="1200" dirty="0" smtClean="0">
                 <a:latin typeface="Comic Sans MS" pitchFamily="66" charset="0"/>
               </a:rPr>
-              <a:t> 9M</a:t>
-            </a:r>
-            <a:r>
-              <a:rPr lang="en-US" sz="1200" dirty="0" smtClean="0">
-                <a:latin typeface="Comic Sans MS" pitchFamily="66" charset="0"/>
-              </a:rPr>
-              <a:t>.</a:t>
+              <a:t> 9M.</a:t>
             </a:r>
             <a:fld id="{CE304688-B858-4773-B640-F1307E7715AE}" type="slidenum">
               <a:rPr lang="en-US" sz="1200" smtClean="0">
@@ -4004,22 +3998,7 @@
                 <a:uFillTx/>
                 <a:latin typeface="Comic Sans MS" pitchFamily="66" charset="0"/>
               </a:rPr>
-              <a:t>Albert R Meyer,                  </a:t>
-            </a:r>
-            <a:r>
-              <a:rPr kumimoji="0" lang="en-US" sz="1200" b="0" i="0" u="none" strike="noStrike" kern="1200" cap="none" spc="0" normalizeH="0" baseline="0" noProof="0" dirty="0" smtClean="0">
-                <a:ln>
-                  <a:noFill/>
-                </a:ln>
-                <a:solidFill>
-                  <a:schemeClr val="tx1"/>
-                </a:solidFill>
-                <a:effectLst/>
-                <a:uLnTx/>
-                <a:uFillTx/>
-                <a:latin typeface="Comic Sans MS" pitchFamily="66" charset="0"/>
-              </a:rPr>
-              <a:t>April 9, 2012</a:t>
+              <a:t>Albert R Meyer,                  April 9, 2012</a:t>
             </a:r>
             <a:endParaRPr kumimoji="0" lang="en-US" sz="1200" b="0" i="0" u="none" strike="noStrike" kern="1200" cap="none" spc="0" normalizeH="0" baseline="0" noProof="0" dirty="0">
               <a:ln>
@@ -7630,7 +7609,7 @@
             <a:graphicData uri="http://schemas.openxmlformats.org/presentationml/2006/ole">
               <mc:AlternateContent xmlns:mc="http://schemas.openxmlformats.org/markup-compatibility/2006">
                 <mc:Choice xmlns:v="urn:schemas-microsoft-com:vml" Requires="v">
-                  <p:oleObj spid="_x0000_s157721" name="Equation" r:id="rId4" imgW="152280" imgH="419040" progId="Equation.DSMT4">
+                  <p:oleObj spid="_x0000_s157728" name="Equation" r:id="rId4" imgW="152280" imgH="419040" progId="Equation.DSMT4">
                     <p:embed/>
                   </p:oleObj>
                 </mc:Choice>
@@ -7794,7 +7773,7 @@
             <a:graphicData uri="http://schemas.openxmlformats.org/presentationml/2006/ole">
               <mc:AlternateContent xmlns:mc="http://schemas.openxmlformats.org/markup-compatibility/2006">
                 <mc:Choice xmlns:v="urn:schemas-microsoft-com:vml" Requires="v">
-                  <p:oleObj spid="_x0000_s157722" name="Equation" r:id="rId6" imgW="152280" imgH="444240" progId="Equation.DSMT4">
+                  <p:oleObj spid="_x0000_s157729" name="Equation" r:id="rId6" imgW="152280" imgH="444240" progId="Equation.DSMT4">
                     <p:embed/>
                   </p:oleObj>
                 </mc:Choice>
@@ -10570,7 +10549,7 @@
           <a:graphicData uri="http://schemas.openxmlformats.org/presentationml/2006/ole">
             <mc:AlternateContent xmlns:mc="http://schemas.openxmlformats.org/markup-compatibility/2006">
               <mc:Choice xmlns:v="urn:schemas-microsoft-com:vml" Requires="v">
-                <p:oleObj spid="_x0000_s158745" name="Equation" r:id="rId4" imgW="672840" imgH="419040" progId="Equation.DSMT4">
+                <p:oleObj spid="_x0000_s158752" name="Equation" r:id="rId4" imgW="672840" imgH="419040" progId="Equation.DSMT4">
                   <p:embed/>
                 </p:oleObj>
               </mc:Choice>
@@ -10811,7 +10790,7 @@
           <a:graphicData uri="http://schemas.openxmlformats.org/presentationml/2006/ole">
             <mc:AlternateContent xmlns:mc="http://schemas.openxmlformats.org/markup-compatibility/2006">
               <mc:Choice xmlns:v="urn:schemas-microsoft-com:vml" Requires="v">
-                <p:oleObj spid="_x0000_s158746" name="Equation" r:id="rId6" imgW="685800" imgH="431800" progId="Equation.DSMT4">
+                <p:oleObj spid="_x0000_s158753" name="Equation" r:id="rId6" imgW="685800" imgH="431800" progId="Equation.DSMT4">
                   <p:embed/>
                 </p:oleObj>
               </mc:Choice>
@@ -11763,7 +11742,7 @@
           <a:graphicData uri="http://schemas.openxmlformats.org/presentationml/2006/ole">
             <mc:AlternateContent xmlns:mc="http://schemas.openxmlformats.org/markup-compatibility/2006">
               <mc:Choice xmlns:v="urn:schemas-microsoft-com:vml" Requires="v">
-                <p:oleObj spid="_x0000_s159778" name="Equation" r:id="rId4" imgW="431640" imgH="431640" progId="Equation.DSMT4">
+                <p:oleObj spid="_x0000_s159788" name="Equation" r:id="rId4" imgW="431640" imgH="431640" progId="Equation.DSMT4">
                   <p:embed/>
                 </p:oleObj>
               </mc:Choice>
@@ -11833,7 +11812,7 @@
           <a:graphicData uri="http://schemas.openxmlformats.org/presentationml/2006/ole">
             <mc:AlternateContent xmlns:mc="http://schemas.openxmlformats.org/markup-compatibility/2006">
               <mc:Choice xmlns:v="urn:schemas-microsoft-com:vml" Requires="v">
-                <p:oleObj spid="_x0000_s159779" name="Equation" r:id="rId6" imgW="1066680" imgH="431640" progId="Equation.DSMT4">
+                <p:oleObj spid="_x0000_s159789" name="Equation" r:id="rId6" imgW="1066680" imgH="431640" progId="Equation.DSMT4">
                   <p:embed/>
                 </p:oleObj>
               </mc:Choice>
@@ -11903,7 +11882,7 @@
           <a:graphicData uri="http://schemas.openxmlformats.org/presentationml/2006/ole">
             <mc:AlternateContent xmlns:mc="http://schemas.openxmlformats.org/markup-compatibility/2006">
               <mc:Choice xmlns:v="urn:schemas-microsoft-com:vml" Requires="v">
-                <p:oleObj spid="_x0000_s159780" name="Equation" r:id="rId8" imgW="749160" imgH="419040" progId="Equation.DSMT4">
+                <p:oleObj spid="_x0000_s159790" name="Equation" r:id="rId8" imgW="749160" imgH="419040" progId="Equation.DSMT4">
                   <p:embed/>
                 </p:oleObj>
               </mc:Choice>
@@ -12183,76 +12162,6 @@
           </a:p>
         </p:txBody>
       </p:sp>
-      <p:graphicFrame>
-        <p:nvGraphicFramePr>
-          <p:cNvPr id="157699" name="Object 3"/>
-          <p:cNvGraphicFramePr>
-            <a:graphicFrameLocks noChangeAspect="1"/>
-          </p:cNvGraphicFramePr>
-          <p:nvPr/>
-        </p:nvGraphicFramePr>
-        <p:xfrm>
-          <a:off x="276225" y="2895600"/>
-          <a:ext cx="8510588" cy="2286000"/>
-        </p:xfrm>
-        <a:graphic>
-          <a:graphicData uri="http://schemas.openxmlformats.org/presentationml/2006/ole">
-            <mc:AlternateContent xmlns:mc="http://schemas.openxmlformats.org/markup-compatibility/2006">
-              <mc:Choice xmlns:v="urn:schemas-microsoft-com:vml" Requires="v">
-                <p:oleObj spid="_x0000_s149520" name="Equation" r:id="rId4" imgW="1790700" imgH="482600" progId="Equation.DSMT4">
-                  <p:embed/>
-                </p:oleObj>
-              </mc:Choice>
-              <mc:Fallback>
-                <p:oleObj name="Equation" r:id="rId4" imgW="1790700" imgH="482600" progId="Equation.DSMT4">
-                  <p:embed/>
-                  <p:pic>
-                    <p:nvPicPr>
-                      <p:cNvPr id="0" name="Object 3"/>
-                      <p:cNvPicPr>
-                        <a:picLocks noChangeAspect="1" noChangeArrowheads="1"/>
-                      </p:cNvPicPr>
-                      <p:nvPr/>
-                    </p:nvPicPr>
-                    <p:blipFill>
-                      <a:blip r:embed="rId5">
-                        <a:extLst>
-                          <a:ext uri="{28A0092B-C50C-407E-A947-70E740481C1C}">
-                            <a14:useLocalDpi xmlns:a14="http://schemas.microsoft.com/office/drawing/2010/main" val="0"/>
-                          </a:ext>
-                        </a:extLst>
-                      </a:blip>
-                      <a:srcRect/>
-                      <a:stretch>
-                        <a:fillRect/>
-                      </a:stretch>
-                    </p:blipFill>
-                    <p:spPr bwMode="auto">
-                      <a:xfrm>
-                        <a:off x="276225" y="2895600"/>
-                        <a:ext cx="8510588" cy="2286000"/>
-                      </a:xfrm>
-                      <a:prstGeom prst="rect">
-                        <a:avLst/>
-                      </a:prstGeom>
-                      <a:noFill/>
-                      <a:extLst>
-                        <a:ext uri="{909E8E84-426E-40dd-AFC4-6F175D3DCCD1}">
-                          <a14:hiddenFill xmlns:a14="http://schemas.microsoft.com/office/drawing/2010/main">
-                            <a:solidFill>
-                              <a:srgbClr val="FFFFFF"/>
-                            </a:solidFill>
-                          </a14:hiddenFill>
-                        </a:ext>
-                      </a:extLst>
-                    </p:spPr>
-                  </p:pic>
-                </p:oleObj>
-              </mc:Fallback>
-            </mc:AlternateContent>
-          </a:graphicData>
-        </a:graphic>
-      </p:graphicFrame>
       <p:sp>
         <p:nvSpPr>
           <p:cNvPr id="157700" name="Rectangle 4"/>
@@ -12287,7 +12196,10 @@
               </a:spcBef>
             </a:pPr>
             <a:r>
-              <a:rPr lang="en-US" sz="6000" i="1" dirty="0">
+              <a:rPr lang="en-US" sz="5400" dirty="0">
+                <a:solidFill>
+                  <a:srgbClr val="B702A0"/>
+                </a:solidFill>
                 <a:latin typeface="Comic Sans MS" pitchFamily="66" charset="0"/>
               </a:rPr>
               <a:t>Def:</a:t>
@@ -12340,6 +12252,76 @@
           </a:p>
         </p:txBody>
       </p:sp>
+      <p:graphicFrame>
+        <p:nvGraphicFramePr>
+          <p:cNvPr id="5" name="Object 6"/>
+          <p:cNvGraphicFramePr>
+            <a:graphicFrameLocks noChangeAspect="1"/>
+          </p:cNvGraphicFramePr>
+          <p:nvPr>
+            <p:extLst>
+              <p:ext uri="{D42A27DB-BD31-4B8C-83A1-F6EECF244321}">
+                <p14:modId xmlns:p14="http://schemas.microsoft.com/office/powerpoint/2010/main" val="1185033623"/>
+              </p:ext>
+            </p:extLst>
+          </p:nvPr>
+        </p:nvGraphicFramePr>
+        <p:xfrm>
+          <a:off x="2413000" y="2981325"/>
+          <a:ext cx="4332288" cy="2392363"/>
+        </p:xfrm>
+        <a:graphic>
+          <a:graphicData uri="http://schemas.openxmlformats.org/presentationml/2006/ole">
+            <mc:AlternateContent xmlns:mc="http://schemas.openxmlformats.org/markup-compatibility/2006">
+              <mc:Choice xmlns:v="urn:schemas-microsoft-com:vml" Requires="v">
+                <p:oleObj spid="_x0000_s149526" name="Equation" r:id="rId4" imgW="825500" imgH="457200" progId="Equation.DSMT4">
+                  <p:embed/>
+                </p:oleObj>
+              </mc:Choice>
+              <mc:Fallback>
+                <p:oleObj name="Equation" r:id="rId4" imgW="825500" imgH="457200" progId="Equation.DSMT4">
+                  <p:embed/>
+                  <p:pic>
+                    <p:nvPicPr>
+                      <p:cNvPr id="0" name=""/>
+                      <p:cNvPicPr>
+                        <a:picLocks noChangeAspect="1" noChangeArrowheads="1"/>
+                      </p:cNvPicPr>
+                      <p:nvPr/>
+                    </p:nvPicPr>
+                    <p:blipFill>
+                      <a:blip r:embed="rId5"/>
+                      <a:srcRect/>
+                      <a:stretch>
+                        <a:fillRect/>
+                      </a:stretch>
+                    </p:blipFill>
+                    <p:spPr bwMode="auto">
+                      <a:xfrm>
+                        <a:off x="2413000" y="2981325"/>
+                        <a:ext cx="4332288" cy="2392363"/>
+                      </a:xfrm>
+                      <a:prstGeom prst="rect">
+                        <a:avLst/>
+                      </a:prstGeom>
+                      <a:noFill/>
+                      <a:extLst>
+                        <a:ext uri="{909E8E84-426E-40dd-AFC4-6F175D3DCCD1}">
+                          <a14:hiddenFill xmlns:a14="http://schemas.microsoft.com/office/drawing/2010/main">
+                            <a:solidFill>
+                              <a:srgbClr val="FFFFFF"/>
+                            </a:solidFill>
+                          </a14:hiddenFill>
+                        </a:ext>
+                      </a:extLst>
+                    </p:spPr>
+                  </p:pic>
+                </p:oleObj>
+              </mc:Fallback>
+            </mc:AlternateContent>
+          </a:graphicData>
+        </a:graphic>
+      </p:graphicFrame>
     </p:spTree>
   </p:cSld>
   <p:clrMapOvr>
@@ -12369,6 +12351,9 @@
                     <p:cTn id="3" fill="hold">
                       <p:stCondLst>
                         <p:cond delay="indefinite"/>
+                        <p:cond evt="onBegin" delay="0">
+                          <p:tn val="2"/>
+                        </p:cond>
                       </p:stCondLst>
                       <p:childTnLst>
                         <p:par>
@@ -12378,7 +12363,7 @@
                             </p:stCondLst>
                             <p:childTnLst>
                               <p:par>
-                                <p:cTn id="5" presetID="22" presetClass="entr" presetSubtype="8" fill="hold" nodeType="clickEffect">
+                                <p:cTn id="5" presetID="22" presetClass="entr" presetSubtype="8" fill="hold" nodeType="afterEffect">
                                   <p:stCondLst>
                                     <p:cond delay="0"/>
                                   </p:stCondLst>
@@ -12391,7 +12376,7 @@
                                           </p:stCondLst>
                                         </p:cTn>
                                         <p:tgtEl>
-                                          <p:spTgt spid="157699"/>
+                                          <p:spTgt spid="5"/>
                                         </p:tgtEl>
                                         <p:attrNameLst>
                                           <p:attrName>style.visibility</p:attrName>
@@ -12405,7 +12390,7 @@
                                       <p:cBhvr>
                                         <p:cTn id="7" dur="1000"/>
                                         <p:tgtEl>
-                                          <p:spTgt spid="157699"/>
+                                          <p:spTgt spid="5"/>
                                         </p:tgtEl>
                                       </p:cBhvr>
                                     </p:animEffect>
@@ -12600,7 +12585,7 @@
           <a:graphicData uri="http://schemas.openxmlformats.org/presentationml/2006/ole">
             <mc:AlternateContent xmlns:mc="http://schemas.openxmlformats.org/markup-compatibility/2006">
               <mc:Choice xmlns:v="urn:schemas-microsoft-com:vml" Requires="v">
-                <p:oleObj spid="_x0000_s160820" name="Equation" r:id="rId4" imgW="609480" imgH="253800" progId="Equation.DSMT4">
+                <p:oleObj spid="_x0000_s160836" name="Equation" r:id="rId4" imgW="609480" imgH="253800" progId="Equation.DSMT4">
                   <p:embed/>
                 </p:oleObj>
               </mc:Choice>
@@ -12670,7 +12655,7 @@
           <a:graphicData uri="http://schemas.openxmlformats.org/presentationml/2006/ole">
             <mc:AlternateContent xmlns:mc="http://schemas.openxmlformats.org/markup-compatibility/2006">
               <mc:Choice xmlns:v="urn:schemas-microsoft-com:vml" Requires="v">
-                <p:oleObj spid="_x0000_s160821" name="Equation" r:id="rId6" imgW="114120" imgH="215640" progId="Equation.3">
+                <p:oleObj spid="_x0000_s160837" name="Equation" r:id="rId6" imgW="114120" imgH="215640" progId="Equation.3">
                   <p:embed/>
                 </p:oleObj>
               </mc:Choice>
@@ -12740,7 +12725,7 @@
           <a:graphicData uri="http://schemas.openxmlformats.org/presentationml/2006/ole">
             <mc:AlternateContent xmlns:mc="http://schemas.openxmlformats.org/markup-compatibility/2006">
               <mc:Choice xmlns:v="urn:schemas-microsoft-com:vml" Requires="v">
-                <p:oleObj spid="_x0000_s160822" name="Equation" r:id="rId8" imgW="698400" imgH="419040" progId="Equation.DSMT4">
+                <p:oleObj spid="_x0000_s160838" name="Equation" r:id="rId8" imgW="698400" imgH="419040" progId="Equation.DSMT4">
                   <p:embed/>
                 </p:oleObj>
               </mc:Choice>
@@ -12810,7 +12795,7 @@
           <a:graphicData uri="http://schemas.openxmlformats.org/presentationml/2006/ole">
             <mc:AlternateContent xmlns:mc="http://schemas.openxmlformats.org/markup-compatibility/2006">
               <mc:Choice xmlns:v="urn:schemas-microsoft-com:vml" Requires="v">
-                <p:oleObj spid="_x0000_s160823" name="Equation" r:id="rId10" imgW="1066680" imgH="419040" progId="Equation.DSMT4">
+                <p:oleObj spid="_x0000_s160839" name="Equation" r:id="rId10" imgW="1066680" imgH="419040" progId="Equation.DSMT4">
                   <p:embed/>
                 </p:oleObj>
               </mc:Choice>
@@ -13026,7 +13011,7 @@
           <a:graphicData uri="http://schemas.openxmlformats.org/presentationml/2006/ole">
             <mc:AlternateContent xmlns:mc="http://schemas.openxmlformats.org/markup-compatibility/2006">
               <mc:Choice xmlns:v="urn:schemas-microsoft-com:vml" Requires="v">
-                <p:oleObj spid="_x0000_s160824" name="Equation" r:id="rId12" imgW="558720" imgH="419040" progId="Equation.DSMT4">
+                <p:oleObj spid="_x0000_s160840" name="Equation" r:id="rId12" imgW="558720" imgH="419040" progId="Equation.DSMT4">
                   <p:embed/>
                 </p:oleObj>
               </mc:Choice>
@@ -13773,7 +13758,7 @@
         <p:spPr bwMode="auto">
           <a:xfrm>
             <a:off x="152400" y="1035308"/>
-            <a:ext cx="8839200" cy="4908292"/>
+            <a:ext cx="8839200" cy="5047535"/>
           </a:xfrm>
           <a:prstGeom prst="rect">
             <a:avLst/>
@@ -13905,10 +13890,38 @@
                 </a:solidFill>
                 <a:latin typeface="Comic Sans MS" pitchFamily="66" charset="0"/>
               </a:rPr>
-              <a:t>) = f</a:t>
+              <a:t>) </a:t>
+            </a:r>
+            <a:r>
+              <a:rPr lang="en-US" sz="4400" b="1" dirty="0">
+                <a:solidFill>
+                  <a:srgbClr val="FF0000"/>
+                </a:solidFill>
+                <a:latin typeface="Euclid Symbol" charset="2"/>
+                <a:cs typeface="Euclid Symbol" charset="2"/>
+              </a:rPr>
+              <a:t>=</a:t>
+            </a:r>
+            <a:r>
+              <a:rPr lang="en-US" sz="4400" dirty="0" smtClean="0">
+                <a:solidFill>
+                  <a:srgbClr val="FF0000"/>
+                </a:solidFill>
+                <a:latin typeface="Comic Sans MS" pitchFamily="66" charset="0"/>
+              </a:rPr>
+              <a:t> </a:t>
             </a:r>
             <a:r>
               <a:rPr lang="en-US" sz="4400" dirty="0">
+                <a:solidFill>
+                  <a:srgbClr val="FF0000"/>
+                </a:solidFill>
+                <a:latin typeface="Comic Sans MS" pitchFamily="66" charset="0"/>
+              </a:rPr>
+              <a:t>f</a:t>
+            </a:r>
+            <a:r>
+              <a:rPr lang="en-US" sz="4400" dirty="0">
                 <a:latin typeface="Comic Sans MS" pitchFamily="66" charset="0"/>
               </a:rPr>
               <a:t>.</a:t>
@@ -14019,83 +14032,167 @@
                 </a:solidFill>
                 <a:latin typeface="Comic Sans MS" pitchFamily="66" charset="0"/>
               </a:rPr>
-              <a:t>2x =</a:t>
+              <a:t>2x </a:t>
+            </a:r>
+            <a:r>
+              <a:rPr lang="en-US" sz="4400" b="1" dirty="0">
+                <a:solidFill>
+                  <a:srgbClr val="0000FF"/>
+                </a:solidFill>
+                <a:latin typeface="Euclid Symbol" charset="2"/>
+                <a:cs typeface="Euclid Symbol" charset="2"/>
+              </a:rPr>
+              <a:t>=</a:t>
+            </a:r>
+            <a:r>
+              <a:rPr lang="en-US" sz="4400" dirty="0" smtClean="0">
+                <a:solidFill>
+                  <a:srgbClr val="FF6600"/>
+                </a:solidFill>
+                <a:latin typeface="Comic Sans MS" pitchFamily="66" charset="0"/>
+              </a:rPr>
+              <a:t> </a:t>
             </a:r>
             <a:r>
               <a:rPr lang="en-US" sz="4400" dirty="0">
                 <a:solidFill>
+                  <a:srgbClr val="0000FF"/>
+                </a:solidFill>
+                <a:latin typeface="Comic Sans MS" pitchFamily="66" charset="0"/>
+              </a:rPr>
+              <a:t>O(x)</a:t>
+            </a:r>
+            <a:r>
+              <a:rPr lang="en-US" sz="4400" dirty="0">
+                <a:solidFill>
+                  <a:srgbClr val="FF0000"/>
+                </a:solidFill>
+                <a:latin typeface="Comic Sans MS" pitchFamily="66" charset="0"/>
+              </a:rPr>
+              <a:t> </a:t>
+            </a:r>
+            <a:r>
+              <a:rPr lang="en-US" sz="4400" b="1" dirty="0">
+                <a:solidFill>
+                  <a:srgbClr val="FF0000"/>
+                </a:solidFill>
+                <a:latin typeface="Euclid Symbol" charset="2"/>
+                <a:cs typeface="Euclid Symbol" charset="2"/>
+              </a:rPr>
+              <a:t>=</a:t>
+            </a:r>
+            <a:r>
+              <a:rPr lang="en-US" sz="4400" dirty="0" smtClean="0">
+                <a:solidFill>
+                  <a:srgbClr val="FF0000"/>
+                </a:solidFill>
+                <a:latin typeface="Comic Sans MS" pitchFamily="66" charset="0"/>
+              </a:rPr>
+              <a:t> </a:t>
+            </a:r>
+            <a:r>
+              <a:rPr lang="en-US" sz="4400" dirty="0">
+                <a:solidFill>
+                  <a:srgbClr val="FF0000"/>
+                </a:solidFill>
+                <a:latin typeface="Comic Sans MS" pitchFamily="66" charset="0"/>
+              </a:rPr>
+              <a:t>x</a:t>
+            </a:r>
+            <a:r>
+              <a:rPr lang="en-US" sz="4400" dirty="0">
+                <a:latin typeface="Comic Sans MS" pitchFamily="66" charset="0"/>
+              </a:rPr>
+              <a:t>,</a:t>
+            </a:r>
+          </a:p>
+          <a:p>
+            <a:r>
+              <a:rPr lang="en-US" sz="4400" dirty="0">
+                <a:latin typeface="Comic Sans MS" pitchFamily="66" charset="0"/>
+              </a:rPr>
+              <a:t>therefore</a:t>
+            </a:r>
+            <a:r>
+              <a:rPr lang="en-US" sz="4400" dirty="0">
+                <a:solidFill>
                   <a:srgbClr val="FF6600"/>
                 </a:solidFill>
                 <a:latin typeface="Comic Sans MS" pitchFamily="66" charset="0"/>
               </a:rPr>
+              <a:t>      </a:t>
+            </a:r>
+            <a:r>
+              <a:rPr lang="en-US" sz="4400" dirty="0">
+                <a:solidFill>
+                  <a:srgbClr val="0000FF"/>
+                </a:solidFill>
+                <a:latin typeface="Comic Sans MS" pitchFamily="66" charset="0"/>
+              </a:rPr>
+              <a:t>2x</a:t>
+            </a:r>
+            <a:r>
+              <a:rPr lang="en-US" sz="4400" dirty="0">
+                <a:solidFill>
+                  <a:srgbClr val="FF0000"/>
+                </a:solidFill>
+                <a:latin typeface="Comic Sans MS" pitchFamily="66" charset="0"/>
+              </a:rPr>
               <a:t> </a:t>
             </a:r>
             <a:r>
+              <a:rPr lang="en-US" sz="4400" b="1" dirty="0">
+                <a:solidFill>
+                  <a:srgbClr val="FF0000"/>
+                </a:solidFill>
+                <a:latin typeface="Euclid Symbol" charset="2"/>
+                <a:cs typeface="Euclid Symbol" charset="2"/>
+              </a:rPr>
+              <a:t>=</a:t>
+            </a:r>
+            <a:r>
+              <a:rPr lang="en-US" sz="4400" dirty="0" smtClean="0">
+                <a:solidFill>
+                  <a:srgbClr val="FF0000"/>
+                </a:solidFill>
+                <a:latin typeface="Comic Sans MS" pitchFamily="66" charset="0"/>
+              </a:rPr>
+              <a:t> </a:t>
+            </a:r>
+            <a:r>
               <a:rPr lang="en-US" sz="4400" dirty="0">
                 <a:solidFill>
                   <a:srgbClr val="FF0000"/>
                 </a:solidFill>
                 <a:latin typeface="Comic Sans MS" pitchFamily="66" charset="0"/>
               </a:rPr>
-              <a:t>O(x) = x</a:t>
+              <a:t>x</a:t>
             </a:r>
             <a:r>
               <a:rPr lang="en-US" sz="4400" dirty="0">
                 <a:latin typeface="Comic Sans MS" pitchFamily="66" charset="0"/>
               </a:rPr>
-              <a:t>,</a:t>
+              <a:t>.</a:t>
             </a:r>
           </a:p>
           <a:p>
             <a:r>
               <a:rPr lang="en-US" sz="4400" dirty="0">
-                <a:latin typeface="Comic Sans MS" pitchFamily="66" charset="0"/>
-              </a:rPr>
-              <a:t>therefore</a:t>
+                <a:solidFill>
+                  <a:srgbClr val="CC0000"/>
+                </a:solidFill>
+                <a:latin typeface="Comic Sans MS" pitchFamily="66" charset="0"/>
+              </a:rPr>
+              <a:t>               </a:t>
             </a:r>
             <a:r>
               <a:rPr lang="en-US" sz="4400" dirty="0">
                 <a:solidFill>
-                  <a:srgbClr val="FF6600"/>
-                </a:solidFill>
-                <a:latin typeface="Comic Sans MS" pitchFamily="66" charset="0"/>
-              </a:rPr>
-              <a:t>      </a:t>
-            </a:r>
-            <a:r>
-              <a:rPr lang="en-US" sz="4400" dirty="0">
-                <a:solidFill>
-                  <a:srgbClr val="FF0000"/>
-                </a:solidFill>
-                <a:latin typeface="Comic Sans MS" pitchFamily="66" charset="0"/>
-              </a:rPr>
-              <a:t>2x = x</a:t>
-            </a:r>
-            <a:r>
-              <a:rPr lang="en-US" sz="4400" dirty="0">
-                <a:latin typeface="Comic Sans MS" pitchFamily="66" charset="0"/>
-              </a:rPr>
-              <a:t>.</a:t>
-            </a:r>
-          </a:p>
-          <a:p>
-            <a:r>
-              <a:rPr lang="en-US" sz="4400" dirty="0">
-                <a:solidFill>
-                  <a:srgbClr val="CC0000"/>
-                </a:solidFill>
-                <a:latin typeface="Comic Sans MS" pitchFamily="66" charset="0"/>
-              </a:rPr>
-              <a:t>                 </a:t>
-            </a:r>
-            <a:r>
-              <a:rPr lang="en-US" sz="4400" dirty="0">
-                <a:solidFill>
-                  <a:srgbClr val="7030A0"/>
-                </a:solidFill>
-                <a:latin typeface="Comic Sans MS" pitchFamily="66" charset="0"/>
-              </a:rPr>
-              <a:t>  Nonsense!</a:t>
+                  <a:srgbClr val="B702A0"/>
+                </a:solidFill>
+                <a:latin typeface="Comic Sans MS" pitchFamily="66" charset="0"/>
+              </a:rPr>
+              <a:t>    Nonsense!</a:t>
             </a:r>
           </a:p>
         </p:txBody>
@@ -14123,7 +14220,7 @@
             <a:r>
               <a:rPr lang="en-US" dirty="0" smtClean="0">
                 <a:solidFill>
-                  <a:srgbClr val="CC0000"/>
+                  <a:srgbClr val="FF0000"/>
                 </a:solidFill>
               </a:rPr>
               <a:t>Mistakes</a:t>
@@ -14147,7 +14244,7 @@
           <a:graphicData uri="http://schemas.openxmlformats.org/presentationml/2006/ole">
             <mc:AlternateContent xmlns:mc="http://schemas.openxmlformats.org/markup-compatibility/2006">
               <mc:Choice xmlns:v="urn:schemas-microsoft-com:vml" Requires="v">
-                <p:oleObj spid="_x0000_s161808" name="Equation" r:id="rId4" imgW="114120" imgH="215640" progId="Equation.3">
+                <p:oleObj spid="_x0000_s161813" name="Equation" r:id="rId4" imgW="114120" imgH="215640" progId="Equation.3">
                   <p:embed/>
                 </p:oleObj>
               </mc:Choice>
@@ -14730,7 +14827,7 @@
           <a:graphicData uri="http://schemas.openxmlformats.org/presentationml/2006/ole">
             <mc:AlternateContent xmlns:mc="http://schemas.openxmlformats.org/markup-compatibility/2006">
               <mc:Choice xmlns:v="urn:schemas-microsoft-com:vml" Requires="v">
-                <p:oleObj spid="_x0000_s162833" name="Equation" r:id="rId4" imgW="114120" imgH="215640" progId="Equation.3">
+                <p:oleObj spid="_x0000_s162839" name="Equation" r:id="rId4" imgW="114120" imgH="215640" progId="Equation.3">
                   <p:embed/>
                 </p:oleObj>
               </mc:Choice>
@@ -14794,8 +14891,8 @@
         </p:nvSpPr>
         <p:spPr bwMode="auto">
           <a:xfrm>
-            <a:off x="658813" y="2400300"/>
-            <a:ext cx="7772400" cy="2012950"/>
+            <a:off x="570912" y="1074509"/>
+            <a:ext cx="7849775" cy="4708981"/>
           </a:xfrm>
           <a:prstGeom prst="rect">
             <a:avLst/>
@@ -14815,56 +14912,137 @@
           <a:lstStyle/>
           <a:p>
             <a:r>
-              <a:rPr lang="en-US" sz="6000">
+              <a:rPr lang="en-US" sz="6000" dirty="0">
                 <a:latin typeface="Comic Sans MS" pitchFamily="66" charset="0"/>
               </a:rPr>
               <a:t>Lower bound blunder:</a:t>
             </a:r>
           </a:p>
           <a:p>
-            <a:r>
-              <a:rPr lang="en-US" sz="6600">
+            <a:pPr>
+              <a:spcAft>
+                <a:spcPts val="1800"/>
+              </a:spcAft>
+            </a:pPr>
+            <a:r>
+              <a:rPr lang="en-US" sz="6600" dirty="0">
                 <a:latin typeface="Comic Sans MS" pitchFamily="66" charset="0"/>
               </a:rPr>
               <a:t>“f is </a:t>
             </a:r>
             <a:r>
-              <a:rPr lang="en-US" sz="6600">
-                <a:solidFill>
-                  <a:schemeClr val="accent2"/>
+              <a:rPr lang="en-US" sz="6600" dirty="0">
+                <a:solidFill>
+                  <a:srgbClr val="0000FF"/>
                 </a:solidFill>
                 <a:latin typeface="Comic Sans MS" pitchFamily="66" charset="0"/>
               </a:rPr>
               <a:t>at least O(n</a:t>
             </a:r>
             <a:r>
-              <a:rPr lang="en-US" sz="6600" baseline="30000">
-                <a:solidFill>
-                  <a:schemeClr val="accent2"/>
+              <a:rPr lang="en-US" sz="6600" baseline="30000" dirty="0">
+                <a:solidFill>
+                  <a:srgbClr val="0000FF"/>
                 </a:solidFill>
                 <a:latin typeface="Comic Sans MS" pitchFamily="66" charset="0"/>
               </a:rPr>
               <a:t>2</a:t>
             </a:r>
             <a:r>
-              <a:rPr lang="en-US" sz="6600">
-                <a:solidFill>
-                  <a:schemeClr val="accent2"/>
+              <a:rPr lang="en-US" sz="6600" dirty="0">
+                <a:solidFill>
+                  <a:srgbClr val="0000FF"/>
                 </a:solidFill>
                 <a:latin typeface="Comic Sans MS" pitchFamily="66" charset="0"/>
               </a:rPr>
               <a:t>)</a:t>
             </a:r>
             <a:r>
-              <a:rPr lang="en-US" sz="6600">
+              <a:rPr lang="en-US" sz="6600" dirty="0" smtClean="0">
                 <a:latin typeface="Comic Sans MS" pitchFamily="66" charset="0"/>
               </a:rPr>
               <a:t>”</a:t>
             </a:r>
-            <a:endParaRPr lang="en-US" sz="6600">
-              <a:solidFill>
-                <a:srgbClr val="CC0000"/>
-              </a:solidFill>
+          </a:p>
+          <a:p>
+            <a:pPr algn="ctr">
+              <a:spcAft>
+                <a:spcPts val="1800"/>
+              </a:spcAft>
+            </a:pPr>
+            <a:r>
+              <a:rPr lang="en-US" sz="7200" dirty="0" smtClean="0">
+                <a:latin typeface="Comic Sans MS" pitchFamily="66" charset="0"/>
+              </a:rPr>
+              <a:t>should say</a:t>
+            </a:r>
+          </a:p>
+          <a:p>
+            <a:pPr algn="ctr"/>
+            <a:r>
+              <a:rPr lang="en-US" sz="7200" dirty="0" smtClean="0">
+                <a:solidFill>
+                  <a:srgbClr val="0000FF"/>
+                </a:solidFill>
+                <a:latin typeface="Comic Sans MS" pitchFamily="66" charset="0"/>
+              </a:rPr>
+              <a:t>      n</a:t>
+            </a:r>
+            <a:r>
+              <a:rPr lang="en-US" sz="7200" baseline="30000" dirty="0" smtClean="0">
+                <a:solidFill>
+                  <a:srgbClr val="0000FF"/>
+                </a:solidFill>
+                <a:latin typeface="Comic Sans MS" pitchFamily="66" charset="0"/>
+              </a:rPr>
+              <a:t>2</a:t>
+            </a:r>
+            <a:r>
+              <a:rPr lang="en-US" sz="7200" dirty="0" smtClean="0">
+                <a:solidFill>
+                  <a:srgbClr val="0000FF"/>
+                </a:solidFill>
+                <a:latin typeface="Comic Sans MS" pitchFamily="66" charset="0"/>
+              </a:rPr>
+              <a:t> = </a:t>
+            </a:r>
+            <a:r>
+              <a:rPr lang="en-US" sz="7200" dirty="0">
+                <a:solidFill>
+                  <a:srgbClr val="0000FF"/>
+                </a:solidFill>
+                <a:latin typeface="Comic Sans MS" pitchFamily="66" charset="0"/>
+              </a:rPr>
+              <a:t>O</a:t>
+            </a:r>
+            <a:r>
+              <a:rPr lang="en-US" sz="7200" dirty="0" smtClean="0">
+                <a:solidFill>
+                  <a:srgbClr val="0000FF"/>
+                </a:solidFill>
+                <a:latin typeface="Comic Sans MS" pitchFamily="66" charset="0"/>
+              </a:rPr>
+              <a:t>(</a:t>
+            </a:r>
+            <a:r>
+              <a:rPr lang="en-US" sz="7200" dirty="0">
+                <a:solidFill>
+                  <a:srgbClr val="0000FF"/>
+                </a:solidFill>
+                <a:latin typeface="Comic Sans MS" pitchFamily="66" charset="0"/>
+              </a:rPr>
+              <a:t>f</a:t>
+            </a:r>
+            <a:r>
+              <a:rPr lang="en-US" sz="7200" dirty="0" smtClean="0">
+                <a:solidFill>
+                  <a:srgbClr val="0000FF"/>
+                </a:solidFill>
+                <a:latin typeface="Comic Sans MS" pitchFamily="66" charset="0"/>
+              </a:rPr>
+              <a:t>)</a:t>
+            </a:r>
+            <a:endParaRPr lang="en-US" sz="7200" dirty="0">
               <a:latin typeface="Comic Sans MS" pitchFamily="66" charset="0"/>
             </a:endParaRPr>
           </a:p>
@@ -14881,9 +15059,218 @@
   <p:timing>
     <p:tnLst>
       <p:par>
-        <p:cTn xmlns:p14="http://schemas.microsoft.com/office/powerpoint/2010/main" id="1" dur="indefinite" restart="never" nodeType="tmRoot"/>
+        <p:cTn xmlns:p14="http://schemas.microsoft.com/office/powerpoint/2010/main" id="1" dur="indefinite" restart="never" nodeType="tmRoot">
+          <p:childTnLst>
+            <p:seq concurrent="1" nextAc="seek">
+              <p:cTn id="2" dur="indefinite" nodeType="mainSeq">
+                <p:childTnLst>
+                  <p:par>
+                    <p:cTn id="3" fill="hold">
+                      <p:stCondLst>
+                        <p:cond delay="indefinite"/>
+                      </p:stCondLst>
+                      <p:childTnLst>
+                        <p:par>
+                          <p:cTn id="4" fill="hold">
+                            <p:stCondLst>
+                              <p:cond delay="0"/>
+                            </p:stCondLst>
+                            <p:childTnLst>
+                              <p:par>
+                                <p:cTn id="5" presetID="9" presetClass="entr" presetSubtype="0" fill="hold" grpId="0" nodeType="clickEffect">
+                                  <p:stCondLst>
+                                    <p:cond delay="0"/>
+                                  </p:stCondLst>
+                                  <p:childTnLst>
+                                    <p:set>
+                                      <p:cBhvr>
+                                        <p:cTn id="6" dur="1" fill="hold">
+                                          <p:stCondLst>
+                                            <p:cond delay="0"/>
+                                          </p:stCondLst>
+                                        </p:cTn>
+                                        <p:tgtEl>
+                                          <p:spTgt spid="20486">
+                                            <p:txEl>
+                                              <p:pRg st="1" end="1"/>
+                                            </p:txEl>
+                                          </p:spTgt>
+                                        </p:tgtEl>
+                                        <p:attrNameLst>
+                                          <p:attrName>style.visibility</p:attrName>
+                                        </p:attrNameLst>
+                                      </p:cBhvr>
+                                      <p:to>
+                                        <p:strVal val="visible"/>
+                                      </p:to>
+                                    </p:set>
+                                    <p:animEffect transition="in" filter="dissolve">
+                                      <p:cBhvr>
+                                        <p:cTn id="7" dur="500"/>
+                                        <p:tgtEl>
+                                          <p:spTgt spid="20486">
+                                            <p:txEl>
+                                              <p:pRg st="1" end="1"/>
+                                            </p:txEl>
+                                          </p:spTgt>
+                                        </p:tgtEl>
+                                      </p:cBhvr>
+                                    </p:animEffect>
+                                  </p:childTnLst>
+                                </p:cTn>
+                              </p:par>
+                            </p:childTnLst>
+                          </p:cTn>
+                        </p:par>
+                      </p:childTnLst>
+                    </p:cTn>
+                  </p:par>
+                  <p:par>
+                    <p:cTn id="8" fill="hold">
+                      <p:stCondLst>
+                        <p:cond delay="indefinite"/>
+                      </p:stCondLst>
+                      <p:childTnLst>
+                        <p:par>
+                          <p:cTn id="9" fill="hold">
+                            <p:stCondLst>
+                              <p:cond delay="0"/>
+                            </p:stCondLst>
+                            <p:childTnLst>
+                              <p:par>
+                                <p:cTn id="10" presetID="9" presetClass="entr" presetSubtype="0" fill="hold" grpId="0" nodeType="clickEffect">
+                                  <p:stCondLst>
+                                    <p:cond delay="0"/>
+                                  </p:stCondLst>
+                                  <p:childTnLst>
+                                    <p:set>
+                                      <p:cBhvr>
+                                        <p:cTn id="11" dur="1" fill="hold">
+                                          <p:stCondLst>
+                                            <p:cond delay="0"/>
+                                          </p:stCondLst>
+                                        </p:cTn>
+                                        <p:tgtEl>
+                                          <p:spTgt spid="20486">
+                                            <p:txEl>
+                                              <p:pRg st="2" end="2"/>
+                                            </p:txEl>
+                                          </p:spTgt>
+                                        </p:tgtEl>
+                                        <p:attrNameLst>
+                                          <p:attrName>style.visibility</p:attrName>
+                                        </p:attrNameLst>
+                                      </p:cBhvr>
+                                      <p:to>
+                                        <p:strVal val="visible"/>
+                                      </p:to>
+                                    </p:set>
+                                    <p:animEffect transition="in" filter="dissolve">
+                                      <p:cBhvr>
+                                        <p:cTn id="12" dur="500"/>
+                                        <p:tgtEl>
+                                          <p:spTgt spid="20486">
+                                            <p:txEl>
+                                              <p:pRg st="2" end="2"/>
+                                            </p:txEl>
+                                          </p:spTgt>
+                                        </p:tgtEl>
+                                      </p:cBhvr>
+                                    </p:animEffect>
+                                  </p:childTnLst>
+                                </p:cTn>
+                              </p:par>
+                            </p:childTnLst>
+                          </p:cTn>
+                        </p:par>
+                      </p:childTnLst>
+                    </p:cTn>
+                  </p:par>
+                  <p:par>
+                    <p:cTn id="13" fill="hold">
+                      <p:stCondLst>
+                        <p:cond delay="indefinite"/>
+                      </p:stCondLst>
+                      <p:childTnLst>
+                        <p:par>
+                          <p:cTn id="14" fill="hold">
+                            <p:stCondLst>
+                              <p:cond delay="0"/>
+                            </p:stCondLst>
+                            <p:childTnLst>
+                              <p:par>
+                                <p:cTn id="15" presetID="9" presetClass="entr" presetSubtype="0" fill="hold" grpId="0" nodeType="clickEffect">
+                                  <p:stCondLst>
+                                    <p:cond delay="0"/>
+                                  </p:stCondLst>
+                                  <p:childTnLst>
+                                    <p:set>
+                                      <p:cBhvr>
+                                        <p:cTn id="16" dur="1" fill="hold">
+                                          <p:stCondLst>
+                                            <p:cond delay="0"/>
+                                          </p:stCondLst>
+                                        </p:cTn>
+                                        <p:tgtEl>
+                                          <p:spTgt spid="20486">
+                                            <p:txEl>
+                                              <p:pRg st="3" end="3"/>
+                                            </p:txEl>
+                                          </p:spTgt>
+                                        </p:tgtEl>
+                                        <p:attrNameLst>
+                                          <p:attrName>style.visibility</p:attrName>
+                                        </p:attrNameLst>
+                                      </p:cBhvr>
+                                      <p:to>
+                                        <p:strVal val="visible"/>
+                                      </p:to>
+                                    </p:set>
+                                    <p:animEffect transition="in" filter="dissolve">
+                                      <p:cBhvr>
+                                        <p:cTn id="17" dur="500"/>
+                                        <p:tgtEl>
+                                          <p:spTgt spid="20486">
+                                            <p:txEl>
+                                              <p:pRg st="3" end="3"/>
+                                            </p:txEl>
+                                          </p:spTgt>
+                                        </p:tgtEl>
+                                      </p:cBhvr>
+                                    </p:animEffect>
+                                  </p:childTnLst>
+                                </p:cTn>
+                              </p:par>
+                            </p:childTnLst>
+                          </p:cTn>
+                        </p:par>
+                      </p:childTnLst>
+                    </p:cTn>
+                  </p:par>
+                </p:childTnLst>
+              </p:cTn>
+              <p:prevCondLst>
+                <p:cond evt="onPrev" delay="0">
+                  <p:tgtEl>
+                    <p:sldTgt/>
+                  </p:tgtEl>
+                </p:cond>
+              </p:prevCondLst>
+              <p:nextCondLst>
+                <p:cond evt="onNext" delay="0">
+                  <p:tgtEl>
+                    <p:sldTgt/>
+                  </p:tgtEl>
+                </p:cond>
+              </p:nextCondLst>
+            </p:seq>
+          </p:childTnLst>
+        </p:cTn>
       </p:par>
     </p:tnLst>
+    <p:bldLst>
+      <p:bldP spid="20486" grpId="0" build="p"/>
+    </p:bldLst>
   </p:timing>
 </p:sld>
 </file>
@@ -14940,7 +15327,7 @@
         </p:nvSpPr>
         <p:spPr>
           <a:xfrm>
-            <a:off x="676275" y="1363663"/>
+            <a:off x="676275" y="1143000"/>
             <a:ext cx="4064000" cy="1149350"/>
           </a:xfrm>
         </p:spPr>
@@ -14953,15 +15340,23 @@
               <a:buNone/>
             </a:pPr>
             <a:r>
-              <a:rPr lang="en-US" sz="4400" i="1" smtClean="0">
+              <a:rPr lang="en-US" sz="4400" dirty="0" smtClean="0">
                 <a:solidFill>
                   <a:srgbClr val="FE0000"/>
                 </a:solidFill>
               </a:rPr>
-              <a:t>False Lemma:</a:t>
-            </a:r>
-            <a:r>
-              <a:rPr lang="en-US" sz="4400" smtClean="0">
+              <a:t>False </a:t>
+            </a:r>
+            <a:r>
+              <a:rPr lang="en-US" sz="4400" dirty="0" smtClean="0">
+                <a:solidFill>
+                  <a:srgbClr val="B702A0"/>
+                </a:solidFill>
+              </a:rPr>
+              <a:t>Lemma:</a:t>
+            </a:r>
+            <a:r>
+              <a:rPr lang="en-US" sz="4400" dirty="0" smtClean="0">
                 <a:solidFill>
                   <a:schemeClr val="accent2"/>
                 </a:solidFill>
@@ -14969,7 +15364,7 @@
               <a:t> </a:t>
             </a:r>
             <a:r>
-              <a:rPr lang="en-US" smtClean="0">
+              <a:rPr lang="en-US" dirty="0" smtClean="0">
                 <a:solidFill>
                   <a:srgbClr val="C7030C"/>
                 </a:solidFill>
@@ -14985,22 +15380,28 @@
           <p:cNvGraphicFramePr>
             <a:graphicFrameLocks noChangeAspect="1"/>
           </p:cNvGraphicFramePr>
-          <p:nvPr/>
+          <p:nvPr>
+            <p:extLst>
+              <p:ext uri="{D42A27DB-BD31-4B8C-83A1-F6EECF244321}">
+                <p14:modId xmlns:p14="http://schemas.microsoft.com/office/powerpoint/2010/main" val="2159012745"/>
+              </p:ext>
+            </p:extLst>
+          </p:nvPr>
         </p:nvGraphicFramePr>
         <p:xfrm>
-          <a:off x="4886325" y="800100"/>
-          <a:ext cx="3167063" cy="1924050"/>
+          <a:off x="4859338" y="533400"/>
+          <a:ext cx="3222625" cy="2151062"/>
         </p:xfrm>
         <a:graphic>
           <a:graphicData uri="http://schemas.openxmlformats.org/presentationml/2006/ole">
             <mc:AlternateContent xmlns:mc="http://schemas.openxmlformats.org/markup-compatibility/2006">
               <mc:Choice xmlns:v="urn:schemas-microsoft-com:vml" Requires="v">
-                <p:oleObj spid="_x0000_s163874" name="Equation" r:id="rId4" imgW="711000" imgH="431640" progId="Equation.DSMT4">
+                <p:oleObj spid="_x0000_s163887" name="Equation" r:id="rId4" imgW="723900" imgH="482600" progId="Equation.DSMT4">
                   <p:embed/>
                 </p:oleObj>
               </mc:Choice>
               <mc:Fallback>
-                <p:oleObj name="Equation" r:id="rId4" imgW="711000" imgH="431640" progId="Equation.DSMT4">
+                <p:oleObj name="Equation" r:id="rId4" imgW="723900" imgH="482600" progId="Equation.DSMT4">
                   <p:embed/>
                   <p:pic>
                     <p:nvPicPr>
@@ -15011,13 +15412,7 @@
                       <p:nvPr/>
                     </p:nvPicPr>
                     <p:blipFill>
-                      <a:blip r:embed="rId5">
-                        <a:extLst>
-                          <a:ext uri="{28A0092B-C50C-407E-A947-70E740481C1C}">
-                            <a14:useLocalDpi xmlns:a14="http://schemas.microsoft.com/office/drawing/2010/main" val="0"/>
-                          </a:ext>
-                        </a:extLst>
-                      </a:blip>
+                      <a:blip r:embed="rId5"/>
                       <a:srcRect/>
                       <a:stretch>
                         <a:fillRect/>
@@ -15025,8 +15420,8 @@
                     </p:blipFill>
                     <p:spPr bwMode="auto">
                       <a:xfrm>
-                        <a:off x="4886325" y="800100"/>
-                        <a:ext cx="3167063" cy="1924050"/>
+                        <a:off x="4859338" y="533400"/>
+                        <a:ext cx="3222625" cy="2151062"/>
                       </a:xfrm>
                       <a:prstGeom prst="rect">
                         <a:avLst/>
@@ -15065,7 +15460,7 @@
           <a:graphicData uri="http://schemas.openxmlformats.org/presentationml/2006/ole">
             <mc:AlternateContent xmlns:mc="http://schemas.openxmlformats.org/markup-compatibility/2006">
               <mc:Choice xmlns:v="urn:schemas-microsoft-com:vml" Requires="v">
-                <p:oleObj spid="_x0000_s163875" name="Equation" r:id="rId6" imgW="114120" imgH="215640" progId="Equation.3">
+                <p:oleObj spid="_x0000_s163888" name="Equation" r:id="rId6" imgW="114120" imgH="215640" progId="Equation.3">
                   <p:embed/>
                 </p:oleObj>
               </mc:Choice>
@@ -15129,7 +15524,7 @@
         </p:nvSpPr>
         <p:spPr bwMode="auto">
           <a:xfrm>
-            <a:off x="530225" y="3041650"/>
+            <a:off x="530225" y="2590800"/>
             <a:ext cx="6192838" cy="1006475"/>
           </a:xfrm>
           <a:prstGeom prst="rect">
@@ -15150,7 +15545,7 @@
           <a:lstStyle/>
           <a:p>
             <a:r>
-              <a:rPr lang="en-US" sz="6000">
+              <a:rPr lang="en-US" sz="6000" dirty="0">
                 <a:latin typeface="Comic Sans MS" pitchFamily="66" charset="0"/>
               </a:rPr>
               <a:t>Of course really:</a:t>
@@ -15164,17 +15559,23 @@
           <p:cNvGraphicFramePr>
             <a:graphicFrameLocks noChangeAspect="1"/>
           </p:cNvGraphicFramePr>
-          <p:nvPr/>
+          <p:nvPr>
+            <p:extLst>
+              <p:ext uri="{D42A27DB-BD31-4B8C-83A1-F6EECF244321}">
+                <p14:modId xmlns:p14="http://schemas.microsoft.com/office/powerpoint/2010/main" val="3596879377"/>
+              </p:ext>
+            </p:extLst>
+          </p:nvPr>
         </p:nvGraphicFramePr>
         <p:xfrm>
-          <a:off x="2786063" y="3711575"/>
+          <a:off x="2786063" y="3308350"/>
           <a:ext cx="3582987" cy="2330450"/>
         </p:xfrm>
         <a:graphic>
           <a:graphicData uri="http://schemas.openxmlformats.org/presentationml/2006/ole">
             <mc:AlternateContent xmlns:mc="http://schemas.openxmlformats.org/markup-compatibility/2006">
               <mc:Choice xmlns:v="urn:schemas-microsoft-com:vml" Requires="v">
-                <p:oleObj spid="_x0000_s163876" name="Equation" r:id="rId8" imgW="762000" imgH="495300" progId="Equation.DSMT4">
+                <p:oleObj spid="_x0000_s163889" name="Equation" r:id="rId8" imgW="762000" imgH="495300" progId="Equation.DSMT4">
                   <p:embed/>
                 </p:oleObj>
               </mc:Choice>
@@ -15204,7 +15605,7 @@
                     </p:blipFill>
                     <p:spPr bwMode="auto">
                       <a:xfrm>
-                        <a:off x="2786063" y="3711575"/>
+                        <a:off x="2786063" y="3308350"/>
                         <a:ext cx="3582987" cy="2330450"/>
                       </a:xfrm>
                       <a:prstGeom prst="rect">
@@ -15257,7 +15658,7 @@
                             </p:stCondLst>
                             <p:childTnLst>
                               <p:par>
-                                <p:cTn id="5" presetID="1" presetClass="entr" presetSubtype="0" fill="hold" nodeType="clickEffect">
+                                <p:cTn id="5" presetID="9" presetClass="entr" presetSubtype="0" fill="hold" nodeType="clickEffect">
                                   <p:stCondLst>
                                     <p:cond delay="0"/>
                                   </p:stCondLst>
@@ -15284,18 +15685,30 @@
                                         <p:strVal val="visible"/>
                                       </p:to>
                                     </p:set>
+                                    <p:animEffect transition="in" filter="dissolve">
+                                      <p:cBhvr>
+                                        <p:cTn id="7" dur="500"/>
+                                        <p:tgtEl>
+                                          <p:spTgt spid="521222">
+                                            <p:txEl>
+                                              <p:pRg st="0" end="0"/>
+                                            </p:txEl>
+                                          </p:spTgt>
+                                        </p:tgtEl>
+                                      </p:cBhvr>
+                                    </p:animEffect>
                                   </p:childTnLst>
                                 </p:cTn>
                               </p:par>
                               <p:par>
-                                <p:cTn id="7" presetID="1" presetClass="entr" presetSubtype="0" fill="hold" nodeType="withEffect">
+                                <p:cTn id="8" presetID="9" presetClass="entr" presetSubtype="0" fill="hold" nodeType="withEffect">
                                   <p:stCondLst>
                                     <p:cond delay="0"/>
                                   </p:stCondLst>
                                   <p:childTnLst>
                                     <p:set>
                                       <p:cBhvr>
-                                        <p:cTn id="8" dur="1" fill="hold">
+                                        <p:cTn id="9" dur="1" fill="hold">
                                           <p:stCondLst>
                                             <p:cond delay="0"/>
                                           </p:stCondLst>
@@ -15311,6 +15724,14 @@
                                         <p:strVal val="visible"/>
                                       </p:to>
                                     </p:set>
+                                    <p:animEffect transition="in" filter="dissolve">
+                                      <p:cBhvr>
+                                        <p:cTn id="10" dur="500"/>
+                                        <p:tgtEl>
+                                          <p:spTgt spid="521223"/>
+                                        </p:tgtEl>
+                                      </p:cBhvr>
+                                    </p:animEffect>
                                   </p:childTnLst>
                                 </p:cTn>
                               </p:par>
@@ -15385,76 +15806,6 @@
           </a:p>
         </p:txBody>
       </p:sp>
-      <p:graphicFrame>
-        <p:nvGraphicFramePr>
-          <p:cNvPr id="22530" name="Object 4"/>
-          <p:cNvGraphicFramePr>
-            <a:graphicFrameLocks noChangeAspect="1"/>
-          </p:cNvGraphicFramePr>
-          <p:nvPr/>
-        </p:nvGraphicFramePr>
-        <p:xfrm>
-          <a:off x="4713288" y="615950"/>
-          <a:ext cx="2854325" cy="1733550"/>
-        </p:xfrm>
-        <a:graphic>
-          <a:graphicData uri="http://schemas.openxmlformats.org/presentationml/2006/ole">
-            <mc:AlternateContent xmlns:mc="http://schemas.openxmlformats.org/markup-compatibility/2006">
-              <mc:Choice xmlns:v="urn:schemas-microsoft-com:vml" Requires="v">
-                <p:oleObj spid="_x0000_s164898" name="Equation" r:id="rId4" imgW="711000" imgH="431640" progId="Equation.DSMT4">
-                  <p:embed/>
-                </p:oleObj>
-              </mc:Choice>
-              <mc:Fallback>
-                <p:oleObj name="Equation" r:id="rId4" imgW="711000" imgH="431640" progId="Equation.DSMT4">
-                  <p:embed/>
-                  <p:pic>
-                    <p:nvPicPr>
-                      <p:cNvPr id="0" name="Object 4"/>
-                      <p:cNvPicPr>
-                        <a:picLocks noChangeAspect="1" noChangeArrowheads="1"/>
-                      </p:cNvPicPr>
-                      <p:nvPr/>
-                    </p:nvPicPr>
-                    <p:blipFill>
-                      <a:blip r:embed="rId5">
-                        <a:extLst>
-                          <a:ext uri="{28A0092B-C50C-407E-A947-70E740481C1C}">
-                            <a14:useLocalDpi xmlns:a14="http://schemas.microsoft.com/office/drawing/2010/main" val="0"/>
-                          </a:ext>
-                        </a:extLst>
-                      </a:blip>
-                      <a:srcRect/>
-                      <a:stretch>
-                        <a:fillRect/>
-                      </a:stretch>
-                    </p:blipFill>
-                    <p:spPr bwMode="auto">
-                      <a:xfrm>
-                        <a:off x="4713288" y="615950"/>
-                        <a:ext cx="2854325" cy="1733550"/>
-                      </a:xfrm>
-                      <a:prstGeom prst="rect">
-                        <a:avLst/>
-                      </a:prstGeom>
-                      <a:noFill/>
-                      <a:extLst>
-                        <a:ext uri="{909E8E84-426E-40dd-AFC4-6F175D3DCCD1}">
-                          <a14:hiddenFill xmlns:a14="http://schemas.microsoft.com/office/drawing/2010/main">
-                            <a:solidFill>
-                              <a:srgbClr val="FFFFFF"/>
-                            </a:solidFill>
-                          </a14:hiddenFill>
-                        </a:ext>
-                      </a:extLst>
-                    </p:spPr>
-                  </p:pic>
-                </p:oleObj>
-              </mc:Fallback>
-            </mc:AlternateContent>
-          </a:graphicData>
-        </a:graphic>
-      </p:graphicFrame>
       <p:sp>
         <p:nvSpPr>
           <p:cNvPr id="22535" name="Text Box 5"/>
@@ -15466,7 +15817,7 @@
         <p:spPr bwMode="auto">
           <a:xfrm>
             <a:off x="923925" y="2033588"/>
-            <a:ext cx="2695575" cy="641350"/>
+            <a:ext cx="2724499" cy="646331"/>
           </a:xfrm>
           <a:prstGeom prst="rect">
             <a:avLst/>
@@ -15486,13 +15837,22 @@
           <a:lstStyle/>
           <a:p>
             <a:r>
-              <a:rPr lang="en-US" sz="3600" i="1">
+              <a:rPr lang="en-US" sz="3600" dirty="0">
                 <a:solidFill>
                   <a:srgbClr val="F50320"/>
                 </a:solidFill>
                 <a:latin typeface="Comic Sans MS" pitchFamily="66" charset="0"/>
               </a:rPr>
-              <a:t>false proof:</a:t>
+              <a:t>false</a:t>
+            </a:r>
+            <a:r>
+              <a:rPr lang="en-US" sz="3600" dirty="0">
+                <a:solidFill>
+                  <a:srgbClr val="B702A0"/>
+                </a:solidFill>
+                <a:latin typeface="Comic Sans MS" pitchFamily="66" charset="0"/>
+              </a:rPr>
+              <a:t> proof:</a:t>
             </a:r>
           </a:p>
         </p:txBody>
@@ -15528,7 +15888,10 @@
           <a:lstStyle/>
           <a:p>
             <a:r>
-              <a:rPr lang="en-US" sz="4800">
+              <a:rPr lang="en-US" sz="4800" dirty="0">
+                <a:solidFill>
+                  <a:srgbClr val="0000FF"/>
+                </a:solidFill>
                 <a:latin typeface="Comic Sans MS" pitchFamily="66" charset="0"/>
               </a:rPr>
               <a:t>0 = O(1), 1 = O(1), 2 = O(1),…</a:t>
@@ -15547,7 +15910,7 @@
         <p:spPr bwMode="auto">
           <a:xfrm>
             <a:off x="1127125" y="3535363"/>
-            <a:ext cx="4038600" cy="701675"/>
+            <a:ext cx="4659649" cy="800219"/>
           </a:xfrm>
           <a:prstGeom prst="rect">
             <a:avLst/>
@@ -15567,10 +15930,34 @@
           <a:lstStyle/>
           <a:p>
             <a:r>
-              <a:rPr lang="en-US">
-                <a:latin typeface="Comic Sans MS" pitchFamily="66" charset="0"/>
-              </a:rPr>
-              <a:t>So each i = O(1).</a:t>
+              <a:rPr lang="en-US" dirty="0">
+                <a:latin typeface="Comic Sans MS" pitchFamily="66" charset="0"/>
+              </a:rPr>
+              <a:t>So each </a:t>
+            </a:r>
+            <a:r>
+              <a:rPr lang="en-US" dirty="0" err="1">
+                <a:solidFill>
+                  <a:srgbClr val="0000FF"/>
+                </a:solidFill>
+                <a:latin typeface="Comic Sans MS" pitchFamily="66" charset="0"/>
+              </a:rPr>
+              <a:t>i</a:t>
+            </a:r>
+            <a:r>
+              <a:rPr lang="en-US" dirty="0">
+                <a:solidFill>
+                  <a:srgbClr val="0000FF"/>
+                </a:solidFill>
+                <a:latin typeface="Comic Sans MS" pitchFamily="66" charset="0"/>
+              </a:rPr>
+              <a:t> = O(1)</a:t>
+            </a:r>
+            <a:r>
+              <a:rPr lang="en-US" dirty="0">
+                <a:latin typeface="Comic Sans MS" pitchFamily="66" charset="0"/>
+              </a:rPr>
+              <a:t>.</a:t>
             </a:r>
           </a:p>
         </p:txBody>
@@ -15585,7 +15972,7 @@
         </p:nvSpPr>
         <p:spPr bwMode="auto">
           <a:xfrm>
-            <a:off x="5472113" y="3541713"/>
+            <a:off x="5826125" y="3541713"/>
             <a:ext cx="955675" cy="701675"/>
           </a:xfrm>
           <a:prstGeom prst="rect">
@@ -15606,7 +15993,7 @@
           <a:lstStyle/>
           <a:p>
             <a:r>
-              <a:rPr lang="en-US">
+              <a:rPr lang="en-US" dirty="0">
                 <a:latin typeface="Comic Sans MS" pitchFamily="66" charset="0"/>
               </a:rPr>
               <a:t>So </a:t>
@@ -15620,22 +16007,28 @@
           <p:cNvGraphicFramePr>
             <a:graphicFrameLocks noChangeAspect="1"/>
           </p:cNvGraphicFramePr>
-          <p:nvPr/>
+          <p:nvPr>
+            <p:extLst>
+              <p:ext uri="{D42A27DB-BD31-4B8C-83A1-F6EECF244321}">
+                <p14:modId xmlns:p14="http://schemas.microsoft.com/office/powerpoint/2010/main" val="682543636"/>
+              </p:ext>
+            </p:extLst>
+          </p:nvPr>
         </p:nvGraphicFramePr>
         <p:xfrm>
-          <a:off x="661988" y="4064000"/>
-          <a:ext cx="7540625" cy="1841500"/>
+          <a:off x="608013" y="4037013"/>
+          <a:ext cx="7648575" cy="1895475"/>
         </p:xfrm>
         <a:graphic>
           <a:graphicData uri="http://schemas.openxmlformats.org/presentationml/2006/ole">
             <mc:AlternateContent xmlns:mc="http://schemas.openxmlformats.org/markup-compatibility/2006">
               <mc:Choice xmlns:v="urn:schemas-microsoft-com:vml" Requires="v">
-                <p:oleObj spid="_x0000_s164899" name="Equation" r:id="rId6" imgW="1765080" imgH="431640" progId="Equation.DSMT4">
+                <p:oleObj spid="_x0000_s164917" name="Equation" r:id="rId4" imgW="1790700" imgH="444500" progId="Equation.DSMT4">
                   <p:embed/>
                 </p:oleObj>
               </mc:Choice>
               <mc:Fallback>
-                <p:oleObj name="Equation" r:id="rId6" imgW="1765080" imgH="431640" progId="Equation.DSMT4">
+                <p:oleObj name="Equation" r:id="rId4" imgW="1790700" imgH="444500" progId="Equation.DSMT4">
                   <p:embed/>
                   <p:pic>
                     <p:nvPicPr>
@@ -15646,13 +16039,7 @@
                       <p:nvPr/>
                     </p:nvPicPr>
                     <p:blipFill>
-                      <a:blip r:embed="rId7">
-                        <a:extLst>
-                          <a:ext uri="{28A0092B-C50C-407E-A947-70E740481C1C}">
-                            <a14:useLocalDpi xmlns:a14="http://schemas.microsoft.com/office/drawing/2010/main" val="0"/>
-                          </a:ext>
-                        </a:extLst>
-                      </a:blip>
+                      <a:blip r:embed="rId5"/>
                       <a:srcRect/>
                       <a:stretch>
                         <a:fillRect/>
@@ -15660,8 +16047,8 @@
                     </p:blipFill>
                     <p:spPr bwMode="auto">
                       <a:xfrm>
-                        <a:off x="661988" y="4064000"/>
-                        <a:ext cx="7540625" cy="1841500"/>
+                        <a:off x="608013" y="4037013"/>
+                        <a:ext cx="7648575" cy="1895475"/>
                       </a:xfrm>
                       <a:prstGeom prst="rect">
                         <a:avLst/>
@@ -15725,12 +16112,12 @@
           <a:graphicData uri="http://schemas.openxmlformats.org/presentationml/2006/ole">
             <mc:AlternateContent xmlns:mc="http://schemas.openxmlformats.org/markup-compatibility/2006">
               <mc:Choice xmlns:v="urn:schemas-microsoft-com:vml" Requires="v">
-                <p:oleObj spid="_x0000_s164900" name="Equation" r:id="rId8" imgW="114120" imgH="215640" progId="Equation.3">
+                <p:oleObj spid="_x0000_s164918" name="Equation" r:id="rId6" imgW="114120" imgH="215640" progId="Equation.3">
                   <p:embed/>
                 </p:oleObj>
               </mc:Choice>
               <mc:Fallback>
-                <p:oleObj name="Equation" r:id="rId8" imgW="114120" imgH="215640" progId="Equation.3">
+                <p:oleObj name="Equation" r:id="rId6" imgW="114120" imgH="215640" progId="Equation.3">
                   <p:embed/>
                   <p:pic>
                     <p:nvPicPr>
@@ -15741,7 +16128,7 @@
                       <p:nvPr/>
                     </p:nvPicPr>
                     <p:blipFill>
-                      <a:blip r:embed="rId9">
+                      <a:blip r:embed="rId7">
                         <a:extLst>
                           <a:ext uri="{28A0092B-C50C-407E-A947-70E740481C1C}">
                             <a14:useLocalDpi xmlns:a14="http://schemas.microsoft.com/office/drawing/2010/main" val="0"/>
@@ -15789,8 +16176,8 @@
         </p:nvSpPr>
         <p:spPr bwMode="auto">
           <a:xfrm>
-            <a:off x="1647825" y="5381625"/>
-            <a:ext cx="5343525" cy="914400"/>
+            <a:off x="1524000" y="5553670"/>
+            <a:ext cx="6429375" cy="923330"/>
           </a:xfrm>
           <a:prstGeom prst="rect">
             <a:avLst/>
@@ -15804,30 +16191,153 @@
           </a:ln>
         </p:spPr>
         <p:txBody>
-          <a:bodyPr>
+          <a:bodyPr wrap="square">
             <a:spAutoFit/>
           </a:bodyPr>
           <a:lstStyle/>
           <a:p>
             <a:r>
-              <a:rPr lang="en-US" sz="5400">
-                <a:latin typeface="Comic Sans MS" pitchFamily="66" charset="0"/>
-              </a:rPr>
-              <a:t>= n</a:t>
-            </a:r>
-            <a:r>
-              <a:rPr lang="en-US" sz="5400">
+              <a:rPr lang="en-US" sz="5400" b="1" dirty="0">
+                <a:solidFill>
+                  <a:srgbClr val="0000FF"/>
+                </a:solidFill>
+                <a:latin typeface="Euclid Symbol" charset="2"/>
+                <a:cs typeface="Euclid Symbol" charset="2"/>
+              </a:rPr>
+              <a:t>=</a:t>
+            </a:r>
+            <a:r>
+              <a:rPr lang="en-US" sz="5400" dirty="0">
+                <a:solidFill>
+                  <a:srgbClr val="0000FF"/>
+                </a:solidFill>
+                <a:latin typeface="Comic Sans MS" pitchFamily="66" charset="0"/>
+              </a:rPr>
+              <a:t> n</a:t>
+            </a:r>
+            <a:r>
+              <a:rPr lang="en-US" sz="5400" dirty="0">
+                <a:solidFill>
+                  <a:srgbClr val="0000FF"/>
+                </a:solidFill>
                 <a:latin typeface="Comic Sans MS" pitchFamily="66" charset="0"/>
                 <a:cs typeface="Times New Roman" pitchFamily="18" charset="0"/>
               </a:rPr>
-              <a:t>· O(1) = O(n).</a:t>
+              <a:t>· O(1) </a:t>
+            </a:r>
+            <a:r>
+              <a:rPr lang="en-US" sz="5400" b="1" dirty="0">
+                <a:solidFill>
+                  <a:srgbClr val="0000FF"/>
+                </a:solidFill>
+                <a:latin typeface="Euclid Symbol" charset="2"/>
+                <a:cs typeface="Euclid Symbol" charset="2"/>
+              </a:rPr>
+              <a:t>=</a:t>
+            </a:r>
+            <a:r>
+              <a:rPr lang="en-US" sz="5400" dirty="0" smtClean="0">
+                <a:solidFill>
+                  <a:srgbClr val="0000FF"/>
+                </a:solidFill>
+                <a:latin typeface="Comic Sans MS" pitchFamily="66" charset="0"/>
+                <a:cs typeface="Times New Roman" pitchFamily="18" charset="0"/>
+              </a:rPr>
+              <a:t> </a:t>
+            </a:r>
+            <a:r>
+              <a:rPr lang="en-US" sz="5400" dirty="0">
+                <a:solidFill>
+                  <a:srgbClr val="0000FF"/>
+                </a:solidFill>
+                <a:latin typeface="Comic Sans MS" pitchFamily="66" charset="0"/>
+                <a:cs typeface="Times New Roman" pitchFamily="18" charset="0"/>
+              </a:rPr>
+              <a:t>O(n)</a:t>
+            </a:r>
+            <a:r>
+              <a:rPr lang="en-US" sz="5400" dirty="0">
+                <a:latin typeface="Comic Sans MS" pitchFamily="66" charset="0"/>
+                <a:cs typeface="Times New Roman" pitchFamily="18" charset="0"/>
+              </a:rPr>
+              <a:t>.</a:t>
             </a:r>
           </a:p>
         </p:txBody>
       </p:sp>
+      <p:graphicFrame>
+        <p:nvGraphicFramePr>
+          <p:cNvPr id="12" name="Object 4"/>
+          <p:cNvGraphicFramePr>
+            <a:graphicFrameLocks noChangeAspect="1"/>
+          </p:cNvGraphicFramePr>
+          <p:nvPr>
+            <p:extLst>
+              <p:ext uri="{D42A27DB-BD31-4B8C-83A1-F6EECF244321}">
+                <p14:modId xmlns:p14="http://schemas.microsoft.com/office/powerpoint/2010/main" val="818878151"/>
+              </p:ext>
+            </p:extLst>
+          </p:nvPr>
+        </p:nvGraphicFramePr>
+        <p:xfrm>
+          <a:off x="4859338" y="533400"/>
+          <a:ext cx="3222625" cy="2151062"/>
+        </p:xfrm>
+        <a:graphic>
+          <a:graphicData uri="http://schemas.openxmlformats.org/presentationml/2006/ole">
+            <mc:AlternateContent xmlns:mc="http://schemas.openxmlformats.org/markup-compatibility/2006">
+              <mc:Choice xmlns:v="urn:schemas-microsoft-com:vml" Requires="v">
+                <p:oleObj spid="_x0000_s164919" name="Equation" r:id="rId8" imgW="723900" imgH="482600" progId="Equation.DSMT4">
+                  <p:embed/>
+                </p:oleObj>
+              </mc:Choice>
+              <mc:Fallback>
+                <p:oleObj name="Equation" r:id="rId8" imgW="723900" imgH="482600" progId="Equation.DSMT4">
+                  <p:embed/>
+                  <p:pic>
+                    <p:nvPicPr>
+                      <p:cNvPr id="0" name=""/>
+                      <p:cNvPicPr>
+                        <a:picLocks noChangeAspect="1" noChangeArrowheads="1"/>
+                      </p:cNvPicPr>
+                      <p:nvPr/>
+                    </p:nvPicPr>
+                    <p:blipFill>
+                      <a:blip r:embed="rId9"/>
+                      <a:srcRect/>
+                      <a:stretch>
+                        <a:fillRect/>
+                      </a:stretch>
+                    </p:blipFill>
+                    <p:spPr bwMode="auto">
+                      <a:xfrm>
+                        <a:off x="4859338" y="533400"/>
+                        <a:ext cx="3222625" cy="2151062"/>
+                      </a:xfrm>
+                      <a:prstGeom prst="rect">
+                        <a:avLst/>
+                      </a:prstGeom>
+                      <a:noFill/>
+                      <a:extLst>
+                        <a:ext uri="{909E8E84-426E-40dd-AFC4-6F175D3DCCD1}">
+                          <a14:hiddenFill xmlns:a14="http://schemas.microsoft.com/office/drawing/2010/main">
+                            <a:solidFill>
+                              <a:srgbClr val="FFFFFF"/>
+                            </a:solidFill>
+                          </a14:hiddenFill>
+                        </a:ext>
+                      </a:extLst>
+                    </p:spPr>
+                  </p:pic>
+                </p:oleObj>
+              </mc:Fallback>
+            </mc:AlternateContent>
+          </a:graphicData>
+        </a:graphic>
+      </p:graphicFrame>
       <p:sp>
         <p:nvSpPr>
-          <p:cNvPr id="22540" name="Text Box 13"/>
+          <p:cNvPr id="13" name="Rectangle 3"/>
           <p:cNvSpPr txBox="1">
             <a:spLocks noChangeArrowheads="1"/>
           </p:cNvSpPr>
@@ -15835,8 +16345,8 @@
         </p:nvSpPr>
         <p:spPr bwMode="auto">
           <a:xfrm>
-            <a:off x="835025" y="1076325"/>
-            <a:ext cx="3806825" cy="762000"/>
+            <a:off x="676275" y="1066800"/>
+            <a:ext cx="4064000" cy="1149350"/>
           </a:xfrm>
           <a:prstGeom prst="rect">
             <a:avLst/>
@@ -15846,24 +16356,193 @@
             <a:noFill/>
             <a:miter lim="800000"/>
             <a:headEnd/>
-            <a:tailEnd type="none" w="lg" len="lg"/>
+            <a:tailEnd/>
           </a:ln>
         </p:spPr>
         <p:txBody>
-          <a:bodyPr wrap="none">
-            <a:spAutoFit/>
+          <a:bodyPr vert="horz" wrap="square" lIns="91440" tIns="45720" rIns="91440" bIns="45720" numCol="1" anchor="t" anchorCtr="0" compatLnSpc="1">
+            <a:prstTxWarp prst="textNoShape">
+              <a:avLst/>
+            </a:prstTxWarp>
           </a:bodyPr>
-          <a:lstStyle/>
-          <a:p>
-            <a:r>
-              <a:rPr lang="en-US" sz="4400" i="1">
-                <a:solidFill>
-                  <a:srgbClr val="F50320"/>
-                </a:solidFill>
-                <a:latin typeface="Comic Sans MS" pitchFamily="66" charset="0"/>
-              </a:rPr>
-              <a:t>False Lemma: </a:t>
-            </a:r>
+          <a:lstStyle>
+            <a:lvl1pPr marL="342900" indent="-342900" algn="l" rtl="0" eaLnBrk="0" fontAlgn="base" hangingPunct="0">
+              <a:spcBef>
+                <a:spcPct val="20000"/>
+              </a:spcBef>
+              <a:spcAft>
+                <a:spcPct val="0"/>
+              </a:spcAft>
+              <a:buNone/>
+              <a:defRPr sz="3200">
+                <a:solidFill>
+                  <a:schemeClr val="tx1"/>
+                </a:solidFill>
+                <a:latin typeface="+mn-lt"/>
+                <a:ea typeface="+mn-ea"/>
+                <a:cs typeface="+mn-cs"/>
+              </a:defRPr>
+            </a:lvl1pPr>
+            <a:lvl2pPr marL="742950" indent="-285750" algn="l" rtl="0" eaLnBrk="0" fontAlgn="base" hangingPunct="0">
+              <a:spcBef>
+                <a:spcPct val="20000"/>
+              </a:spcBef>
+              <a:spcAft>
+                <a:spcPct val="0"/>
+              </a:spcAft>
+              <a:buNone/>
+              <a:defRPr sz="2800">
+                <a:solidFill>
+                  <a:schemeClr val="tx1"/>
+                </a:solidFill>
+                <a:latin typeface="+mn-lt"/>
+              </a:defRPr>
+            </a:lvl2pPr>
+            <a:lvl3pPr marL="1143000" indent="-228600" algn="l" rtl="0" eaLnBrk="0" fontAlgn="base" hangingPunct="0">
+              <a:spcBef>
+                <a:spcPct val="20000"/>
+              </a:spcBef>
+              <a:spcAft>
+                <a:spcPct val="0"/>
+              </a:spcAft>
+              <a:buNone/>
+              <a:defRPr sz="2400">
+                <a:solidFill>
+                  <a:schemeClr val="tx1"/>
+                </a:solidFill>
+                <a:latin typeface="+mn-lt"/>
+              </a:defRPr>
+            </a:lvl3pPr>
+            <a:lvl4pPr marL="1600200" indent="-228600" algn="l" rtl="0" eaLnBrk="0" fontAlgn="base" hangingPunct="0">
+              <a:spcBef>
+                <a:spcPct val="20000"/>
+              </a:spcBef>
+              <a:spcAft>
+                <a:spcPct val="0"/>
+              </a:spcAft>
+              <a:buNone/>
+              <a:defRPr sz="2000">
+                <a:solidFill>
+                  <a:schemeClr val="tx1"/>
+                </a:solidFill>
+                <a:latin typeface="+mn-lt"/>
+              </a:defRPr>
+            </a:lvl4pPr>
+            <a:lvl5pPr marL="2057400" indent="-228600" algn="l" rtl="0" eaLnBrk="0" fontAlgn="base" hangingPunct="0">
+              <a:spcBef>
+                <a:spcPct val="20000"/>
+              </a:spcBef>
+              <a:spcAft>
+                <a:spcPct val="0"/>
+              </a:spcAft>
+              <a:buNone/>
+              <a:defRPr sz="2000">
+                <a:solidFill>
+                  <a:schemeClr val="tx1"/>
+                </a:solidFill>
+                <a:latin typeface="+mn-lt"/>
+              </a:defRPr>
+            </a:lvl5pPr>
+            <a:lvl6pPr marL="2514600" indent="-228600" algn="l" rtl="0" fontAlgn="base">
+              <a:spcBef>
+                <a:spcPct val="20000"/>
+              </a:spcBef>
+              <a:spcAft>
+                <a:spcPct val="0"/>
+              </a:spcAft>
+              <a:buChar char="»"/>
+              <a:defRPr sz="2000">
+                <a:solidFill>
+                  <a:schemeClr val="tx1"/>
+                </a:solidFill>
+                <a:latin typeface="+mn-lt"/>
+              </a:defRPr>
+            </a:lvl6pPr>
+            <a:lvl7pPr marL="2971800" indent="-228600" algn="l" rtl="0" fontAlgn="base">
+              <a:spcBef>
+                <a:spcPct val="20000"/>
+              </a:spcBef>
+              <a:spcAft>
+                <a:spcPct val="0"/>
+              </a:spcAft>
+              <a:buChar char="»"/>
+              <a:defRPr sz="2000">
+                <a:solidFill>
+                  <a:schemeClr val="tx1"/>
+                </a:solidFill>
+                <a:latin typeface="+mn-lt"/>
+              </a:defRPr>
+            </a:lvl7pPr>
+            <a:lvl8pPr marL="3429000" indent="-228600" algn="l" rtl="0" fontAlgn="base">
+              <a:spcBef>
+                <a:spcPct val="20000"/>
+              </a:spcBef>
+              <a:spcAft>
+                <a:spcPct val="0"/>
+              </a:spcAft>
+              <a:buChar char="»"/>
+              <a:defRPr sz="2000">
+                <a:solidFill>
+                  <a:schemeClr val="tx1"/>
+                </a:solidFill>
+                <a:latin typeface="+mn-lt"/>
+              </a:defRPr>
+            </a:lvl8pPr>
+            <a:lvl9pPr marL="3886200" indent="-228600" algn="l" rtl="0" fontAlgn="base">
+              <a:spcBef>
+                <a:spcPct val="20000"/>
+              </a:spcBef>
+              <a:spcAft>
+                <a:spcPct val="0"/>
+              </a:spcAft>
+              <a:buChar char="»"/>
+              <a:defRPr sz="2000">
+                <a:solidFill>
+                  <a:schemeClr val="tx1"/>
+                </a:solidFill>
+                <a:latin typeface="+mn-lt"/>
+              </a:defRPr>
+            </a:lvl9pPr>
+          </a:lstStyle>
+          <a:p>
+            <a:pPr marL="0" indent="0" eaLnBrk="1" hangingPunct="1"/>
+            <a:r>
+              <a:rPr lang="en-US" sz="4400" smtClean="0">
+                <a:solidFill>
+                  <a:srgbClr val="FE0000"/>
+                </a:solidFill>
+              </a:rPr>
+              <a:t>False </a:t>
+            </a:r>
+            <a:r>
+              <a:rPr lang="en-US" sz="4400" smtClean="0">
+                <a:solidFill>
+                  <a:srgbClr val="B702A0"/>
+                </a:solidFill>
+              </a:rPr>
+              <a:t>Lemma:</a:t>
+            </a:r>
+            <a:r>
+              <a:rPr lang="en-US" sz="4400" smtClean="0">
+                <a:solidFill>
+                  <a:schemeClr val="accent2"/>
+                </a:solidFill>
+              </a:rPr>
+              <a:t> </a:t>
+            </a:r>
+            <a:r>
+              <a:rPr lang="en-US" smtClean="0">
+                <a:solidFill>
+                  <a:srgbClr val="C7030C"/>
+                </a:solidFill>
+              </a:rPr>
+              <a:t> </a:t>
+            </a:r>
+            <a:endParaRPr lang="en-US" dirty="0" smtClean="0">
+              <a:solidFill>
+                <a:srgbClr val="C7030C"/>
+              </a:solidFill>
+            </a:endParaRPr>
           </a:p>
         </p:txBody>
       </p:sp>
@@ -15896,7 +16575,7 @@
                             </p:stCondLst>
                             <p:childTnLst>
                               <p:par>
-                                <p:cTn id="5" presetID="1" presetClass="entr" presetSubtype="0" fill="hold" grpId="0" nodeType="clickEffect">
+                                <p:cTn id="5" presetID="22" presetClass="entr" presetSubtype="8" fill="hold" grpId="0" nodeType="clickEffect">
                                   <p:stCondLst>
                                     <p:cond delay="0"/>
                                   </p:stCondLst>
@@ -15919,6 +16598,14 @@
                                         <p:strVal val="visible"/>
                                       </p:to>
                                     </p:set>
+                                    <p:animEffect transition="in" filter="wipe(left)">
+                                      <p:cBhvr>
+                                        <p:cTn id="7" dur="2000"/>
+                                        <p:tgtEl>
+                                          <p:spTgt spid="503814"/>
+                                        </p:tgtEl>
+                                      </p:cBhvr>
+                                    </p:animEffect>
                                   </p:childTnLst>
                                 </p:cTn>
                               </p:par>
@@ -15929,26 +16616,26 @@
                     </p:cTn>
                   </p:par>
                   <p:par>
-                    <p:cTn id="7" fill="hold">
+                    <p:cTn id="8" fill="hold">
                       <p:stCondLst>
                         <p:cond delay="indefinite"/>
                       </p:stCondLst>
                       <p:childTnLst>
                         <p:par>
-                          <p:cTn id="8" fill="hold">
+                          <p:cTn id="9" fill="hold">
                             <p:stCondLst>
                               <p:cond delay="0"/>
                             </p:stCondLst>
                             <p:childTnLst>
                               <p:par>
-                                <p:cTn id="9" presetID="1" presetClass="entr" presetSubtype="0" fill="hold" grpId="0" nodeType="clickEffect">
+                                <p:cTn id="10" presetID="9" presetClass="entr" presetSubtype="0" fill="hold" grpId="0" nodeType="clickEffect">
                                   <p:stCondLst>
                                     <p:cond delay="0"/>
                                   </p:stCondLst>
                                   <p:childTnLst>
                                     <p:set>
                                       <p:cBhvr>
-                                        <p:cTn id="10" dur="1" fill="hold">
+                                        <p:cTn id="11" dur="1" fill="hold">
                                           <p:stCondLst>
                                             <p:cond delay="0"/>
                                           </p:stCondLst>
@@ -15964,6 +16651,14 @@
                                         <p:strVal val="visible"/>
                                       </p:to>
                                     </p:set>
+                                    <p:animEffect transition="in" filter="dissolve">
+                                      <p:cBhvr>
+                                        <p:cTn id="12" dur="500"/>
+                                        <p:tgtEl>
+                                          <p:spTgt spid="503815"/>
+                                        </p:tgtEl>
+                                      </p:cBhvr>
+                                    </p:animEffect>
                                   </p:childTnLst>
                                 </p:cTn>
                               </p:par>
@@ -15974,26 +16669,26 @@
                     </p:cTn>
                   </p:par>
                   <p:par>
-                    <p:cTn id="11" fill="hold">
+                    <p:cTn id="13" fill="hold">
                       <p:stCondLst>
                         <p:cond delay="indefinite"/>
                       </p:stCondLst>
                       <p:childTnLst>
                         <p:par>
-                          <p:cTn id="12" fill="hold">
+                          <p:cTn id="14" fill="hold">
                             <p:stCondLst>
                               <p:cond delay="0"/>
                             </p:stCondLst>
                             <p:childTnLst>
                               <p:par>
-                                <p:cTn id="13" presetID="1" presetClass="entr" presetSubtype="0" fill="hold" grpId="0" nodeType="clickEffect">
+                                <p:cTn id="15" presetID="1" presetClass="entr" presetSubtype="0" fill="hold" grpId="0" nodeType="clickEffect">
                                   <p:stCondLst>
                                     <p:cond delay="0"/>
                                   </p:stCondLst>
                                   <p:childTnLst>
                                     <p:set>
                                       <p:cBhvr>
-                                        <p:cTn id="14" dur="1" fill="hold">
+                                        <p:cTn id="16" dur="1" fill="hold">
                                           <p:stCondLst>
                                             <p:cond delay="0"/>
                                           </p:stCondLst>
@@ -16012,15 +16707,24 @@
                                   </p:childTnLst>
                                 </p:cTn>
                               </p:par>
+                            </p:childTnLst>
+                          </p:cTn>
+                        </p:par>
+                        <p:par>
+                          <p:cTn id="17" fill="hold">
+                            <p:stCondLst>
+                              <p:cond delay="0"/>
+                            </p:stCondLst>
+                            <p:childTnLst>
                               <p:par>
-                                <p:cTn id="15" presetID="1" presetClass="entr" presetSubtype="0" fill="hold" nodeType="withEffect">
+                                <p:cTn id="18" presetID="22" presetClass="entr" presetSubtype="8" fill="hold" nodeType="afterEffect">
                                   <p:stCondLst>
-                                    <p:cond delay="0"/>
+                                    <p:cond delay="500"/>
                                   </p:stCondLst>
                                   <p:childTnLst>
                                     <p:set>
                                       <p:cBhvr>
-                                        <p:cTn id="16" dur="1" fill="hold">
+                                        <p:cTn id="19" dur="1" fill="hold">
                                           <p:stCondLst>
                                             <p:cond delay="0"/>
                                           </p:stCondLst>
@@ -16036,6 +16740,14 @@
                                         <p:strVal val="visible"/>
                                       </p:to>
                                     </p:set>
+                                    <p:animEffect transition="in" filter="wipe(left)">
+                                      <p:cBhvr>
+                                        <p:cTn id="20" dur="1000"/>
+                                        <p:tgtEl>
+                                          <p:spTgt spid="503817"/>
+                                        </p:tgtEl>
+                                      </p:cBhvr>
+                                    </p:animEffect>
                                   </p:childTnLst>
                                 </p:cTn>
                               </p:par>
@@ -16046,26 +16758,26 @@
                     </p:cTn>
                   </p:par>
                   <p:par>
-                    <p:cTn id="17" fill="hold">
+                    <p:cTn id="21" fill="hold">
                       <p:stCondLst>
                         <p:cond delay="indefinite"/>
                       </p:stCondLst>
                       <p:childTnLst>
                         <p:par>
-                          <p:cTn id="18" fill="hold">
+                          <p:cTn id="22" fill="hold">
                             <p:stCondLst>
                               <p:cond delay="0"/>
                             </p:stCondLst>
                             <p:childTnLst>
                               <p:par>
-                                <p:cTn id="19" presetID="1" presetClass="entr" presetSubtype="0" fill="hold" grpId="0" nodeType="clickEffect">
+                                <p:cTn id="23" presetID="22" presetClass="entr" presetSubtype="8" fill="hold" grpId="0" nodeType="clickEffect">
                                   <p:stCondLst>
                                     <p:cond delay="0"/>
                                   </p:stCondLst>
                                   <p:childTnLst>
                                     <p:set>
                                       <p:cBhvr>
-                                        <p:cTn id="20" dur="1" fill="hold">
+                                        <p:cTn id="24" dur="1" fill="hold">
                                           <p:stCondLst>
                                             <p:cond delay="0"/>
                                           </p:stCondLst>
@@ -16081,6 +16793,14 @@
                                         <p:strVal val="visible"/>
                                       </p:to>
                                     </p:set>
+                                    <p:animEffect transition="in" filter="wipe(left)">
+                                      <p:cBhvr>
+                                        <p:cTn id="25" dur="1000"/>
+                                        <p:tgtEl>
+                                          <p:spTgt spid="503819"/>
+                                        </p:tgtEl>
+                                      </p:cBhvr>
+                                    </p:animEffect>
                                   </p:childTnLst>
                                 </p:cTn>
                               </p:par>
@@ -16356,7 +17076,7 @@
           <a:graphicData uri="http://schemas.openxmlformats.org/presentationml/2006/ole">
             <mc:AlternateContent xmlns:mc="http://schemas.openxmlformats.org/markup-compatibility/2006">
               <mc:Choice xmlns:v="urn:schemas-microsoft-com:vml" Requires="v">
-                <p:oleObj spid="_x0000_s151568" name="Equation" r:id="rId4" imgW="1803240" imgH="685800" progId="Equation.DSMT4">
+                <p:oleObj spid="_x0000_s151572" name="Equation" r:id="rId4" imgW="1803240" imgH="685800" progId="Equation.DSMT4">
                   <p:embed/>
                 </p:oleObj>
               </mc:Choice>
@@ -16832,7 +17552,7 @@
           <a:graphicData uri="http://schemas.openxmlformats.org/presentationml/2006/ole">
             <mc:AlternateContent xmlns:mc="http://schemas.openxmlformats.org/markup-compatibility/2006">
               <mc:Choice xmlns:v="urn:schemas-microsoft-com:vml" Requires="v">
-                <p:oleObj spid="_x0000_s152592" name="Equation" r:id="rId4" imgW="1777680" imgH="1523880" progId="Equation.DSMT4">
+                <p:oleObj spid="_x0000_s152596" name="Equation" r:id="rId4" imgW="1777680" imgH="1523880" progId="Equation.DSMT4">
                   <p:embed/>
                 </p:oleObj>
               </mc:Choice>
@@ -17189,7 +17909,7 @@
           <a:graphicData uri="http://schemas.openxmlformats.org/presentationml/2006/ole">
             <mc:AlternateContent xmlns:mc="http://schemas.openxmlformats.org/markup-compatibility/2006">
               <mc:Choice xmlns:v="urn:schemas-microsoft-com:vml" Requires="v">
-                <p:oleObj spid="_x0000_s153616" name="Equation" r:id="rId4" imgW="1231900" imgH="457200" progId="Equation.DSMT4">
+                <p:oleObj spid="_x0000_s153621" name="Equation" r:id="rId4" imgW="1231900" imgH="457200" progId="Equation.DSMT4">
                   <p:embed/>
                 </p:oleObj>
               </mc:Choice>
@@ -17580,7 +18300,7 @@
           <a:graphicData uri="http://schemas.openxmlformats.org/presentationml/2006/ole">
             <mc:AlternateContent xmlns:mc="http://schemas.openxmlformats.org/markup-compatibility/2006">
               <mc:Choice xmlns:v="urn:schemas-microsoft-com:vml" Requires="v">
-                <p:oleObj spid="_x0000_s154649" name="Equation" r:id="rId4" imgW="647700" imgH="241300" progId="Equation.DSMT4">
+                <p:oleObj spid="_x0000_s154656" name="Equation" r:id="rId4" imgW="647700" imgH="241300" progId="Equation.DSMT4">
                   <p:embed/>
                 </p:oleObj>
               </mc:Choice>
@@ -17650,7 +18370,7 @@
           <a:graphicData uri="http://schemas.openxmlformats.org/presentationml/2006/ole">
             <mc:AlternateContent xmlns:mc="http://schemas.openxmlformats.org/markup-compatibility/2006">
               <mc:Choice xmlns:v="urn:schemas-microsoft-com:vml" Requires="v">
-                <p:oleObj spid="_x0000_s154650" name="Equation" r:id="rId6" imgW="1130300" imgH="444500" progId="Equation.DSMT4">
+                <p:oleObj spid="_x0000_s154657" name="Equation" r:id="rId6" imgW="1130300" imgH="444500" progId="Equation.DSMT4">
                   <p:embed/>
                 </p:oleObj>
               </mc:Choice>
@@ -18043,7 +18763,7 @@
           <a:graphicData uri="http://schemas.openxmlformats.org/presentationml/2006/ole">
             <mc:AlternateContent xmlns:mc="http://schemas.openxmlformats.org/markup-compatibility/2006">
               <mc:Choice xmlns:v="urn:schemas-microsoft-com:vml" Requires="v">
-                <p:oleObj spid="_x0000_s155664" name="Equation" r:id="rId4" imgW="1689100" imgH="482600" progId="Equation.DSMT4">
+                <p:oleObj spid="_x0000_s155668" name="Equation" r:id="rId4" imgW="1689100" imgH="482600" progId="Equation.DSMT4">
                   <p:embed/>
                 </p:oleObj>
               </mc:Choice>
@@ -18568,7 +19288,7 @@
           <a:graphicData uri="http://schemas.openxmlformats.org/presentationml/2006/ole">
             <mc:AlternateContent xmlns:mc="http://schemas.openxmlformats.org/markup-compatibility/2006">
               <mc:Choice xmlns:v="urn:schemas-microsoft-com:vml" Requires="v">
-                <p:oleObj spid="_x0000_s156697" name="Equation" r:id="rId4" imgW="787320" imgH="228600" progId="Equation.DSMT4">
+                <p:oleObj spid="_x0000_s156704" name="Equation" r:id="rId4" imgW="787320" imgH="228600" progId="Equation.DSMT4">
                   <p:embed/>
                 </p:oleObj>
               </mc:Choice>
@@ -18638,7 +19358,7 @@
           <a:graphicData uri="http://schemas.openxmlformats.org/presentationml/2006/ole">
             <mc:AlternateContent xmlns:mc="http://schemas.openxmlformats.org/markup-compatibility/2006">
               <mc:Choice xmlns:v="urn:schemas-microsoft-com:vml" Requires="v">
-                <p:oleObj spid="_x0000_s156698" name="Equation" r:id="rId6" imgW="1028700" imgH="444500" progId="Equation.DSMT4">
+                <p:oleObj spid="_x0000_s156705" name="Equation" r:id="rId6" imgW="1028700" imgH="444500" progId="Equation.DSMT4">
                   <p:embed/>
                 </p:oleObj>
               </mc:Choice>

--- a/spring12/slidesS12/asymptotics.pptx
+++ b/spring12/slidesS12/asymptotics.pptx
@@ -4697,7 +4697,8 @@
             </a:r>
             <a:r>
               <a:rPr lang="en-US" sz="6600" b="1" dirty="0">
-                <a:latin typeface="Comic Sans MS" pitchFamily="66" charset="0"/>
+                <a:latin typeface="Euclid Symbol" charset="2"/>
+                <a:cs typeface="Euclid Symbol" charset="2"/>
               </a:rPr>
               <a:t>=</a:t>
             </a:r>
@@ -4770,7 +4771,7 @@
         <p:spPr bwMode="auto">
           <a:xfrm>
             <a:off x="1227781" y="2979179"/>
-            <a:ext cx="6751090" cy="2862322"/>
+            <a:ext cx="6751090" cy="2954655"/>
           </a:xfrm>
           <a:prstGeom prst="rect">
             <a:avLst/>
@@ -4791,6 +4792,9 @@
           <a:p>
             <a:r>
               <a:rPr lang="en-US" sz="5400" dirty="0" smtClean="0">
+                <a:solidFill>
+                  <a:srgbClr val="B702A0"/>
+                </a:solidFill>
                 <a:latin typeface="Comic Sans MS" pitchFamily="66" charset="0"/>
               </a:rPr>
               <a:t>Def:</a:t>
@@ -4811,25 +4815,39 @@
               <a:t>f(n</a:t>
             </a:r>
             <a:r>
+              <a:rPr lang="en-US" sz="6000" dirty="0" smtClean="0">
+                <a:solidFill>
+                  <a:srgbClr val="0000FF"/>
+                </a:solidFill>
+                <a:latin typeface="Comic Sans MS" pitchFamily="66" charset="0"/>
+              </a:rPr>
+              <a:t>)</a:t>
+            </a:r>
+            <a:r>
+              <a:rPr lang="en-US" sz="6000" b="1" dirty="0">
+                <a:latin typeface="Euclid Symbol" charset="2"/>
+                <a:cs typeface="Euclid Symbol" charset="2"/>
+              </a:rPr>
+              <a:t> </a:t>
+            </a:r>
+            <a:r>
+              <a:rPr lang="en-US" sz="6000" b="1" dirty="0" smtClean="0">
+                <a:latin typeface="Euclid Symbol" charset="2"/>
+                <a:cs typeface="Euclid Symbol" charset="2"/>
+              </a:rPr>
+              <a:t>= </a:t>
+            </a:r>
+            <a:r>
+              <a:rPr lang="en-US" sz="6000" dirty="0" smtClean="0">
+                <a:latin typeface="Comic Sans MS" pitchFamily="66" charset="0"/>
+              </a:rPr>
+              <a:t>O</a:t>
+            </a:r>
+            <a:r>
               <a:rPr lang="en-US" sz="6000" dirty="0">
-                <a:solidFill>
-                  <a:srgbClr val="0000FF"/>
-                </a:solidFill>
-                <a:latin typeface="Comic Sans MS" pitchFamily="66" charset="0"/>
-              </a:rPr>
-              <a:t>)</a:t>
-            </a:r>
-            <a:r>
-              <a:rPr lang="en-US" sz="6000" b="1" dirty="0">
-                <a:latin typeface="Comic Sans MS" pitchFamily="66" charset="0"/>
-              </a:rPr>
-              <a:t>=</a:t>
-            </a:r>
-            <a:r>
-              <a:rPr lang="en-US" sz="6000" dirty="0">
-                <a:latin typeface="Comic Sans MS" pitchFamily="66" charset="0"/>
-              </a:rPr>
-              <a:t>O(</a:t>
+                <a:latin typeface="Comic Sans MS" pitchFamily="66" charset="0"/>
+              </a:rPr>
+              <a:t>(</a:t>
             </a:r>
             <a:r>
               <a:rPr lang="en-US" sz="6000" dirty="0">
@@ -4901,25 +4919,39 @@
               <a:t>g(n</a:t>
             </a:r>
             <a:r>
+              <a:rPr lang="en-US" sz="6000" dirty="0" smtClean="0">
+                <a:solidFill>
+                  <a:srgbClr val="0000FF"/>
+                </a:solidFill>
+                <a:latin typeface="Comic Sans MS" pitchFamily="66" charset="0"/>
+              </a:rPr>
+              <a:t>)</a:t>
+            </a:r>
+            <a:r>
+              <a:rPr lang="en-US" sz="6000" b="1" dirty="0">
+                <a:latin typeface="Euclid Symbol" charset="2"/>
+                <a:cs typeface="Euclid Symbol" charset="2"/>
+              </a:rPr>
+              <a:t> </a:t>
+            </a:r>
+            <a:r>
+              <a:rPr lang="en-US" sz="6000" b="1" dirty="0" smtClean="0">
+                <a:latin typeface="Euclid Symbol" charset="2"/>
+                <a:cs typeface="Euclid Symbol" charset="2"/>
+              </a:rPr>
+              <a:t>= </a:t>
+            </a:r>
+            <a:r>
+              <a:rPr lang="en-US" sz="6000" dirty="0" smtClean="0">
+                <a:latin typeface="Comic Sans MS" pitchFamily="66" charset="0"/>
+              </a:rPr>
+              <a:t>O</a:t>
+            </a:r>
+            <a:r>
               <a:rPr lang="en-US" sz="6000" dirty="0">
-                <a:solidFill>
-                  <a:srgbClr val="0000FF"/>
-                </a:solidFill>
-                <a:latin typeface="Comic Sans MS" pitchFamily="66" charset="0"/>
-              </a:rPr>
-              <a:t>)</a:t>
-            </a:r>
-            <a:r>
-              <a:rPr lang="en-US" sz="6000" b="1" dirty="0">
-                <a:latin typeface="Comic Sans MS" pitchFamily="66" charset="0"/>
-              </a:rPr>
-              <a:t>=</a:t>
-            </a:r>
-            <a:r>
-              <a:rPr lang="en-US" sz="6000" dirty="0">
-                <a:latin typeface="Comic Sans MS" pitchFamily="66" charset="0"/>
-              </a:rPr>
-              <a:t>O(</a:t>
+                <a:latin typeface="Comic Sans MS" pitchFamily="66" charset="0"/>
+              </a:rPr>
+              <a:t>(</a:t>
             </a:r>
             <a:r>
               <a:rPr lang="en-US" sz="6000" dirty="0">
@@ -6408,12 +6440,18 @@
           <a:p>
             <a:r>
               <a:rPr lang="en-US" sz="4400" dirty="0" smtClean="0">
+                <a:solidFill>
+                  <a:srgbClr val="B702A0"/>
+                </a:solidFill>
                 <a:latin typeface="+mj-lt"/>
               </a:rPr>
               <a:t>lemma</a:t>
             </a:r>
             <a:r>
               <a:rPr lang="en-US" sz="4400" dirty="0">
+                <a:solidFill>
+                  <a:srgbClr val="B702A0"/>
+                </a:solidFill>
                 <a:latin typeface="+mj-lt"/>
               </a:rPr>
               <a:t>:</a:t>
@@ -7098,7 +7136,18 @@
   <p:clrMapOvr>
     <a:masterClrMapping/>
   </p:clrMapOvr>
-  <p:transition xmlns:p14="http://schemas.microsoft.com/office/powerpoint/2010/main"/>
+  <mc:AlternateContent xmlns:mc="http://schemas.openxmlformats.org/markup-compatibility/2006">
+    <mc:Choice xmlns:p14="http://schemas.microsoft.com/office/powerpoint/2010/main" Requires="p14">
+      <p:transition spd="med" p14:dur="700">
+        <p:fade/>
+      </p:transition>
+    </mc:Choice>
+    <mc:Fallback>
+      <p:transition xmlns:p14="http://schemas.microsoft.com/office/powerpoint/2010/main" spd="med">
+        <p:fade/>
+      </p:transition>
+    </mc:Fallback>
+  </mc:AlternateContent>
   <p:timing>
     <p:tnLst>
       <p:par>
@@ -7369,7 +7418,7 @@
         <p:spPr bwMode="auto">
           <a:xfrm>
             <a:off x="304800" y="1828800"/>
-            <a:ext cx="8305800" cy="923330"/>
+            <a:ext cx="8610600" cy="923330"/>
           </a:xfrm>
           <a:prstGeom prst="rect">
             <a:avLst/>
@@ -7401,10 +7450,38 @@
                 </a:solidFill>
                 <a:latin typeface="Comic Sans MS" pitchFamily="66" charset="0"/>
               </a:rPr>
-              <a:t>f = o(g)</a:t>
+              <a:t>f </a:t>
+            </a:r>
+            <a:r>
+              <a:rPr lang="en-US" sz="5400" b="1" dirty="0">
+                <a:solidFill>
+                  <a:srgbClr val="0000FF"/>
+                </a:solidFill>
+                <a:latin typeface="Euclid Symbol" charset="2"/>
+                <a:cs typeface="Euclid Symbol" charset="2"/>
+              </a:rPr>
+              <a:t>=</a:t>
+            </a:r>
+            <a:r>
+              <a:rPr lang="en-US" sz="5400" dirty="0" smtClean="0">
+                <a:solidFill>
+                  <a:srgbClr val="2525FF"/>
+                </a:solidFill>
+                <a:latin typeface="Comic Sans MS" pitchFamily="66" charset="0"/>
+              </a:rPr>
+              <a:t> </a:t>
             </a:r>
             <a:r>
               <a:rPr lang="en-US" sz="5400" dirty="0">
+                <a:solidFill>
+                  <a:srgbClr val="2525FF"/>
+                </a:solidFill>
+                <a:latin typeface="Comic Sans MS" pitchFamily="66" charset="0"/>
+              </a:rPr>
+              <a:t>o(g)</a:t>
+            </a:r>
+            <a:r>
+              <a:rPr lang="en-US" sz="5400" dirty="0">
                 <a:latin typeface="Comic Sans MS" pitchFamily="66" charset="0"/>
               </a:rPr>
               <a:t>, </a:t>
@@ -7417,7 +7494,7 @@
               <a:t>then  </a:t>
             </a:r>
             <a:r>
-              <a:rPr lang="en-US" sz="4800" dirty="0" err="1">
+              <a:rPr lang="en-US" sz="4800" dirty="0">
                 <a:solidFill>
                   <a:srgbClr val="2525FF"/>
                 </a:solidFill>
@@ -7609,7 +7686,7 @@
             <a:graphicData uri="http://schemas.openxmlformats.org/presentationml/2006/ole">
               <mc:AlternateContent xmlns:mc="http://schemas.openxmlformats.org/markup-compatibility/2006">
                 <mc:Choice xmlns:v="urn:schemas-microsoft-com:vml" Requires="v">
-                  <p:oleObj spid="_x0000_s157728" name="Equation" r:id="rId4" imgW="152280" imgH="419040" progId="Equation.DSMT4">
+                  <p:oleObj spid="_x0000_s157735" name="Equation" r:id="rId4" imgW="152280" imgH="419040" progId="Equation.DSMT4">
                     <p:embed/>
                   </p:oleObj>
                 </mc:Choice>
@@ -7675,9 +7752,9 @@
         <p:grpSpPr bwMode="auto">
           <a:xfrm>
             <a:off x="228600" y="2832100"/>
-            <a:ext cx="3321050" cy="1587500"/>
+            <a:ext cx="3330575" cy="1587500"/>
             <a:chOff x="726" y="2002"/>
-            <a:chExt cx="2092" cy="1000"/>
+            <a:chExt cx="2098" cy="1000"/>
           </a:xfrm>
         </p:grpSpPr>
         <p:sp>
@@ -7691,7 +7768,7 @@
           <p:spPr bwMode="auto">
             <a:xfrm>
               <a:off x="726" y="2147"/>
-              <a:ext cx="2092" cy="519"/>
+              <a:ext cx="2098" cy="523"/>
             </a:xfrm>
             <a:prstGeom prst="rect">
               <a:avLst/>
@@ -7738,6 +7815,26 @@
                 <a:t>     </a:t>
               </a:r>
               <a:r>
+                <a:rPr lang="en-US" sz="4800" b="1" dirty="0">
+                  <a:solidFill>
+                    <a:srgbClr val="0000FF"/>
+                  </a:solidFill>
+                  <a:latin typeface="Euclid Symbol" charset="2"/>
+                  <a:cs typeface="Euclid Symbol" charset="2"/>
+                </a:rPr>
+                <a:t>=</a:t>
+              </a:r>
+              <a:r>
+                <a:rPr lang="en-US" sz="4800" dirty="0" smtClean="0">
+                  <a:solidFill>
+                    <a:srgbClr val="2525FF"/>
+                  </a:solidFill>
+                  <a:latin typeface="Comic Sans MS" pitchFamily="66" charset="0"/>
+                  <a:sym typeface="Symbol" pitchFamily="18" charset="2"/>
+                </a:rPr>
+                <a:t> </a:t>
+              </a:r>
+              <a:r>
                 <a:rPr lang="en-US" sz="4800" dirty="0">
                   <a:solidFill>
                     <a:srgbClr val="2525FF"/>
@@ -7745,7 +7842,7 @@
                   <a:latin typeface="Comic Sans MS" pitchFamily="66" charset="0"/>
                   <a:sym typeface="Symbol" pitchFamily="18" charset="2"/>
                 </a:rPr>
-                <a:t>= 0</a:t>
+                <a:t>0</a:t>
               </a:r>
               <a:r>
                 <a:rPr lang="en-US" sz="4800" dirty="0">
@@ -7773,7 +7870,7 @@
             <a:graphicData uri="http://schemas.openxmlformats.org/presentationml/2006/ole">
               <mc:AlternateContent xmlns:mc="http://schemas.openxmlformats.org/markup-compatibility/2006">
                 <mc:Choice xmlns:v="urn:schemas-microsoft-com:vml" Requires="v">
-                  <p:oleObj spid="_x0000_s157729" name="Equation" r:id="rId6" imgW="152280" imgH="444240" progId="Equation.DSMT4">
+                  <p:oleObj spid="_x0000_s157736" name="Equation" r:id="rId6" imgW="152280" imgH="444240" progId="Equation.DSMT4">
                     <p:embed/>
                   </p:oleObj>
                 </mc:Choice>
@@ -8079,13 +8176,28 @@
               <a:t> </a:t>
             </a:r>
             <a:r>
-              <a:rPr lang="en-US" sz="4800" b="1" dirty="0">
-                <a:latin typeface="Comic Sans MS" pitchFamily="66" charset="0"/>
+              <a:rPr lang="en-US" sz="4800" dirty="0" smtClean="0">
+                <a:solidFill>
+                  <a:schemeClr val="accent1">
+                    <a:lumMod val="50000"/>
+                  </a:schemeClr>
+                </a:solidFill>
+                <a:latin typeface="Comic Sans MS" pitchFamily="66" charset="0"/>
+              </a:rPr>
+              <a:t> </a:t>
+            </a:r>
+            <a:r>
+              <a:rPr lang="en-US" sz="4800" b="1" dirty="0" smtClean="0">
+                <a:solidFill>
+                  <a:srgbClr val="0000FF"/>
+                </a:solidFill>
+                <a:latin typeface="Euclid Symbol" charset="2"/>
+                <a:cs typeface="Euclid Symbol" charset="2"/>
               </a:rPr>
               <a:t>=</a:t>
             </a:r>
             <a:r>
-              <a:rPr lang="en-US" sz="4800" b="1" dirty="0">
+              <a:rPr lang="en-US" sz="4800" b="1" dirty="0" smtClean="0">
                 <a:solidFill>
                   <a:srgbClr val="FF33CC"/>
                 </a:solidFill>
@@ -8903,12 +9015,25 @@
               <a:rPr lang="en-US" sz="4400" dirty="0">
                 <a:latin typeface="Comic Sans MS" pitchFamily="66" charset="0"/>
               </a:rPr>
-              <a:t> = </a:t>
+              <a:t> </a:t>
+            </a:r>
+            <a:r>
+              <a:rPr lang="en-US" sz="4400" b="1" dirty="0">
+                <a:latin typeface="Euclid Symbol" charset="2"/>
+                <a:cs typeface="Euclid Symbol" charset="2"/>
+              </a:rPr>
+              <a:t>=</a:t>
             </a:r>
             <a:r>
               <a:rPr lang="en-US" sz="4400" dirty="0">
-                <a:solidFill>
-                  <a:srgbClr val="FF00FF"/>
+                <a:latin typeface="Comic Sans MS" pitchFamily="66" charset="0"/>
+              </a:rPr>
+              <a:t> </a:t>
+            </a:r>
+            <a:r>
+              <a:rPr lang="en-US" sz="4400" dirty="0">
+                <a:solidFill>
+                  <a:srgbClr val="FF07EF"/>
                 </a:solidFill>
                 <a:latin typeface="Comic Sans MS" pitchFamily="66" charset="0"/>
               </a:rPr>
@@ -9448,7 +9573,7 @@
             <a:r>
               <a:rPr lang="en-US" dirty="0" smtClean="0">
                 <a:solidFill>
-                  <a:srgbClr val="FF33CC"/>
+                  <a:srgbClr val="FF07EF"/>
                 </a:solidFill>
               </a:rPr>
               <a:t>O(∙)</a:t>
@@ -10362,10 +10487,7 @@
           <a:bodyPr/>
           <a:lstStyle/>
           <a:p>
-            <a:pPr marL="0" indent="0" eaLnBrk="1" hangingPunct="1">
-              <a:buFontTx/>
-              <a:buNone/>
-            </a:pPr>
+            <a:pPr marL="0" indent="0" eaLnBrk="1" hangingPunct="1"/>
             <a:r>
               <a:rPr lang="en-US" dirty="0" smtClean="0"/>
               <a:t>Lemma:</a:t>
@@ -10396,7 +10518,22 @@
             </a:r>
             <a:r>
               <a:rPr lang="en-US" sz="4800" dirty="0" smtClean="0"/>
-              <a:t>  = o(</a:t>
+              <a:t>  </a:t>
+            </a:r>
+            <a:r>
+              <a:rPr lang="en-US" sz="4800" b="1" dirty="0">
+                <a:latin typeface="Euclid Symbol" charset="2"/>
+                <a:cs typeface="Euclid Symbol" charset="2"/>
+              </a:rPr>
+              <a:t>=</a:t>
+            </a:r>
+            <a:r>
+              <a:rPr lang="en-US" sz="4800" dirty="0" smtClean="0"/>
+              <a:t> </a:t>
+            </a:r>
+            <a:r>
+              <a:rPr lang="en-US" sz="4800" dirty="0" smtClean="0"/>
+              <a:t>o(</a:t>
             </a:r>
             <a:r>
               <a:rPr lang="en-US" sz="4800" dirty="0" err="1" smtClean="0">
@@ -10539,22 +10676,28 @@
           <p:cNvGraphicFramePr>
             <a:graphicFrameLocks noChangeAspect="1"/>
           </p:cNvGraphicFramePr>
-          <p:nvPr/>
+          <p:nvPr>
+            <p:extLst>
+              <p:ext uri="{D42A27DB-BD31-4B8C-83A1-F6EECF244321}">
+                <p14:modId xmlns:p14="http://schemas.microsoft.com/office/powerpoint/2010/main" val="3167615022"/>
+              </p:ext>
+            </p:extLst>
+          </p:nvPr>
         </p:nvGraphicFramePr>
         <p:xfrm>
-          <a:off x="2087563" y="2173288"/>
-          <a:ext cx="2681287" cy="1668462"/>
+          <a:off x="2062163" y="2147888"/>
+          <a:ext cx="2732087" cy="1719262"/>
         </p:xfrm>
         <a:graphic>
           <a:graphicData uri="http://schemas.openxmlformats.org/presentationml/2006/ole">
             <mc:AlternateContent xmlns:mc="http://schemas.openxmlformats.org/markup-compatibility/2006">
               <mc:Choice xmlns:v="urn:schemas-microsoft-com:vml" Requires="v">
-                <p:oleObj spid="_x0000_s158752" name="Equation" r:id="rId4" imgW="672840" imgH="419040" progId="Equation.DSMT4">
+                <p:oleObj spid="_x0000_s158759" name="Equation" r:id="rId4" imgW="685800" imgH="431800" progId="Equation.DSMT4">
                   <p:embed/>
                 </p:oleObj>
               </mc:Choice>
               <mc:Fallback>
-                <p:oleObj name="Equation" r:id="rId4" imgW="672840" imgH="419040" progId="Equation.DSMT4">
+                <p:oleObj name="Equation" r:id="rId4" imgW="685800" imgH="431800" progId="Equation.DSMT4">
                   <p:embed/>
                   <p:pic>
                     <p:nvPicPr>
@@ -10565,13 +10708,7 @@
                       <p:nvPr/>
                     </p:nvPicPr>
                     <p:blipFill>
-                      <a:blip r:embed="rId5">
-                        <a:extLst>
-                          <a:ext uri="{28A0092B-C50C-407E-A947-70E740481C1C}">
-                            <a14:useLocalDpi xmlns:a14="http://schemas.microsoft.com/office/drawing/2010/main" val="0"/>
-                          </a:ext>
-                        </a:extLst>
-                      </a:blip>
+                      <a:blip r:embed="rId5"/>
                       <a:srcRect/>
                       <a:stretch>
                         <a:fillRect/>
@@ -10579,8 +10716,8 @@
                     </p:blipFill>
                     <p:spPr bwMode="auto">
                       <a:xfrm>
-                        <a:off x="2087563" y="2173288"/>
-                        <a:ext cx="2681287" cy="1668462"/>
+                        <a:off x="2062163" y="2147888"/>
+                        <a:ext cx="2732087" cy="1719262"/>
                       </a:xfrm>
                       <a:prstGeom prst="rect">
                         <a:avLst/>
@@ -10790,7 +10927,7 @@
           <a:graphicData uri="http://schemas.openxmlformats.org/presentationml/2006/ole">
             <mc:AlternateContent xmlns:mc="http://schemas.openxmlformats.org/markup-compatibility/2006">
               <mc:Choice xmlns:v="urn:schemas-microsoft-com:vml" Requires="v">
-                <p:oleObj spid="_x0000_s158753" name="Equation" r:id="rId6" imgW="685800" imgH="431800" progId="Equation.DSMT4">
+                <p:oleObj spid="_x0000_s158760" name="Equation" r:id="rId6" imgW="685800" imgH="431800" progId="Equation.DSMT4">
                   <p:embed/>
                 </p:oleObj>
               </mc:Choice>
@@ -11674,7 +11811,11 @@
               <a:buNone/>
             </a:pPr>
             <a:r>
-              <a:rPr lang="en-US" sz="3600" i="1" dirty="0" smtClean="0"/>
+              <a:rPr lang="en-US" sz="3600" dirty="0" smtClean="0">
+                <a:solidFill>
+                  <a:srgbClr val="B702A0"/>
+                </a:solidFill>
+              </a:rPr>
               <a:t>Lemma:</a:t>
             </a:r>
             <a:r>
@@ -11732,17 +11873,23 @@
           <p:cNvGraphicFramePr>
             <a:graphicFrameLocks noChangeAspect="1"/>
           </p:cNvGraphicFramePr>
-          <p:nvPr/>
+          <p:nvPr>
+            <p:extLst>
+              <p:ext uri="{D42A27DB-BD31-4B8C-83A1-F6EECF244321}">
+                <p14:modId xmlns:p14="http://schemas.microsoft.com/office/powerpoint/2010/main" val="1592207047"/>
+              </p:ext>
+            </p:extLst>
+          </p:nvPr>
         </p:nvGraphicFramePr>
         <p:xfrm>
-          <a:off x="3379788" y="1897063"/>
+          <a:off x="2149475" y="1897063"/>
           <a:ext cx="1660525" cy="1654175"/>
         </p:xfrm>
         <a:graphic>
           <a:graphicData uri="http://schemas.openxmlformats.org/presentationml/2006/ole">
             <mc:AlternateContent xmlns:mc="http://schemas.openxmlformats.org/markup-compatibility/2006">
               <mc:Choice xmlns:v="urn:schemas-microsoft-com:vml" Requires="v">
-                <p:oleObj spid="_x0000_s159788" name="Equation" r:id="rId4" imgW="431640" imgH="431640" progId="Equation.DSMT4">
+                <p:oleObj spid="_x0000_s159804" name="Equation" r:id="rId4" imgW="431640" imgH="431640" progId="Equation.DSMT4">
                   <p:embed/>
                 </p:oleObj>
               </mc:Choice>
@@ -11772,7 +11919,7 @@
                     </p:blipFill>
                     <p:spPr bwMode="auto">
                       <a:xfrm>
-                        <a:off x="3379788" y="1897063"/>
+                        <a:off x="2149475" y="1897063"/>
                         <a:ext cx="1660525" cy="1654175"/>
                       </a:xfrm>
                       <a:prstGeom prst="rect">
@@ -11802,17 +11949,23 @@
           <p:cNvGraphicFramePr>
             <a:graphicFrameLocks noChangeAspect="1"/>
           </p:cNvGraphicFramePr>
-          <p:nvPr/>
+          <p:nvPr>
+            <p:extLst>
+              <p:ext uri="{D42A27DB-BD31-4B8C-83A1-F6EECF244321}">
+                <p14:modId xmlns:p14="http://schemas.microsoft.com/office/powerpoint/2010/main" val="1758324877"/>
+              </p:ext>
+            </p:extLst>
+          </p:nvPr>
         </p:nvGraphicFramePr>
         <p:xfrm>
-          <a:off x="2139950" y="3175000"/>
+          <a:off x="2303462" y="3281362"/>
           <a:ext cx="4325938" cy="1747838"/>
         </p:xfrm>
         <a:graphic>
           <a:graphicData uri="http://schemas.openxmlformats.org/presentationml/2006/ole">
             <mc:AlternateContent xmlns:mc="http://schemas.openxmlformats.org/markup-compatibility/2006">
               <mc:Choice xmlns:v="urn:schemas-microsoft-com:vml" Requires="v">
-                <p:oleObj spid="_x0000_s159789" name="Equation" r:id="rId6" imgW="1066680" imgH="431640" progId="Equation.DSMT4">
+                <p:oleObj spid="_x0000_s159805" name="Equation" r:id="rId6" imgW="1066680" imgH="431640" progId="Equation.DSMT4">
                   <p:embed/>
                 </p:oleObj>
               </mc:Choice>
@@ -11842,78 +11995,8 @@
                     </p:blipFill>
                     <p:spPr bwMode="auto">
                       <a:xfrm>
-                        <a:off x="2139950" y="3175000"/>
+                        <a:off x="2303462" y="3281362"/>
                         <a:ext cx="4325938" cy="1747838"/>
-                      </a:xfrm>
-                      <a:prstGeom prst="rect">
-                        <a:avLst/>
-                      </a:prstGeom>
-                      <a:noFill/>
-                      <a:extLst>
-                        <a:ext uri="{909E8E84-426E-40dd-AFC4-6F175D3DCCD1}">
-                          <a14:hiddenFill xmlns:a14="http://schemas.microsoft.com/office/drawing/2010/main">
-                            <a:solidFill>
-                              <a:srgbClr val="FFFFFF"/>
-                            </a:solidFill>
-                          </a14:hiddenFill>
-                        </a:ext>
-                      </a:extLst>
-                    </p:spPr>
-                  </p:pic>
-                </p:oleObj>
-              </mc:Fallback>
-            </mc:AlternateContent>
-          </a:graphicData>
-        </a:graphic>
-      </p:graphicFrame>
-      <p:graphicFrame>
-        <p:nvGraphicFramePr>
-          <p:cNvPr id="17412" name="Object 5"/>
-          <p:cNvGraphicFramePr>
-            <a:graphicFrameLocks noChangeAspect="1"/>
-          </p:cNvGraphicFramePr>
-          <p:nvPr/>
-        </p:nvGraphicFramePr>
-        <p:xfrm>
-          <a:off x="3082925" y="4559300"/>
-          <a:ext cx="3136900" cy="1749425"/>
-        </p:xfrm>
-        <a:graphic>
-          <a:graphicData uri="http://schemas.openxmlformats.org/presentationml/2006/ole">
-            <mc:AlternateContent xmlns:mc="http://schemas.openxmlformats.org/markup-compatibility/2006">
-              <mc:Choice xmlns:v="urn:schemas-microsoft-com:vml" Requires="v">
-                <p:oleObj spid="_x0000_s159790" name="Equation" r:id="rId8" imgW="749160" imgH="419040" progId="Equation.DSMT4">
-                  <p:embed/>
-                </p:oleObj>
-              </mc:Choice>
-              <mc:Fallback>
-                <p:oleObj name="Equation" r:id="rId8" imgW="749160" imgH="419040" progId="Equation.DSMT4">
-                  <p:embed/>
-                  <p:pic>
-                    <p:nvPicPr>
-                      <p:cNvPr id="0" name="Object 5"/>
-                      <p:cNvPicPr>
-                        <a:picLocks noChangeAspect="1" noChangeArrowheads="1"/>
-                      </p:cNvPicPr>
-                      <p:nvPr/>
-                    </p:nvPicPr>
-                    <p:blipFill>
-                      <a:blip r:embed="rId9">
-                        <a:extLst>
-                          <a:ext uri="{28A0092B-C50C-407E-A947-70E740481C1C}">
-                            <a14:useLocalDpi xmlns:a14="http://schemas.microsoft.com/office/drawing/2010/main" val="0"/>
-                          </a:ext>
-                        </a:extLst>
-                      </a:blip>
-                      <a:srcRect/>
-                      <a:stretch>
-                        <a:fillRect/>
-                      </a:stretch>
-                    </p:blipFill>
-                    <p:spPr bwMode="auto">
-                      <a:xfrm>
-                        <a:off x="3082925" y="4559300"/>
-                        <a:ext cx="3136900" cy="1749425"/>
                       </a:xfrm>
                       <a:prstGeom prst="rect">
                         <a:avLst/>
@@ -11946,7 +12029,7 @@
         </p:nvSpPr>
         <p:spPr bwMode="auto">
           <a:xfrm>
-            <a:off x="5737225" y="2298700"/>
+            <a:off x="4191000" y="2209800"/>
             <a:ext cx="2789238" cy="762000"/>
           </a:xfrm>
           <a:prstGeom prst="rect">
@@ -12079,22 +12162,88 @@
             </a:pPr>
             <a:r>
               <a:rPr lang="en-US" sz="4400" dirty="0">
+                <a:solidFill>
+                  <a:srgbClr val="B702A0"/>
+                </a:solidFill>
                 <a:latin typeface="Comic Sans MS" pitchFamily="66" charset="0"/>
               </a:rPr>
               <a:t>Proof</a:t>
             </a:r>
             <a:r>
               <a:rPr lang="en-US" sz="4400" dirty="0" smtClean="0">
+                <a:solidFill>
+                  <a:srgbClr val="B702A0"/>
+                </a:solidFill>
                 <a:latin typeface="Comic Sans MS" pitchFamily="66" charset="0"/>
               </a:rPr>
               <a:t>:</a:t>
             </a:r>
             <a:endParaRPr lang="en-US" sz="4400" dirty="0">
+              <a:solidFill>
+                <a:srgbClr val="B702A0"/>
+              </a:solidFill>
               <a:latin typeface="Comic Sans MS" pitchFamily="66" charset="0"/>
             </a:endParaRPr>
           </a:p>
         </p:txBody>
       </p:sp>
+      <p:graphicFrame>
+        <p:nvGraphicFramePr>
+          <p:cNvPr id="2" name="Object 1"/>
+          <p:cNvGraphicFramePr>
+            <a:graphicFrameLocks noChangeAspect="1"/>
+          </p:cNvGraphicFramePr>
+          <p:nvPr>
+            <p:extLst>
+              <p:ext uri="{D42A27DB-BD31-4B8C-83A1-F6EECF244321}">
+                <p14:modId xmlns:p14="http://schemas.microsoft.com/office/powerpoint/2010/main" val="3367281790"/>
+              </p:ext>
+            </p:extLst>
+          </p:nvPr>
+        </p:nvGraphicFramePr>
+        <p:xfrm>
+          <a:off x="3141663" y="4419600"/>
+          <a:ext cx="2644775" cy="1997075"/>
+        </p:xfrm>
+        <a:graphic>
+          <a:graphicData uri="http://schemas.openxmlformats.org/presentationml/2006/ole">
+            <mc:AlternateContent xmlns:mc="http://schemas.openxmlformats.org/markup-compatibility/2006">
+              <mc:Choice xmlns:v="urn:schemas-microsoft-com:vml" Requires="v">
+                <p:oleObj spid="_x0000_s159806" name="Equation" r:id="rId8" imgW="622300" imgH="469900" progId="Equation.DSMT4">
+                  <p:embed/>
+                </p:oleObj>
+              </mc:Choice>
+              <mc:Fallback>
+                <p:oleObj name="Equation" r:id="rId8" imgW="622300" imgH="469900" progId="Equation.DSMT4">
+                  <p:embed/>
+                  <p:pic>
+                    <p:nvPicPr>
+                      <p:cNvPr id="0" name=""/>
+                      <p:cNvPicPr/>
+                      <p:nvPr/>
+                    </p:nvPicPr>
+                    <p:blipFill>
+                      <a:blip r:embed="rId9"/>
+                      <a:stretch>
+                        <a:fillRect/>
+                      </a:stretch>
+                    </p:blipFill>
+                    <p:spPr>
+                      <a:xfrm>
+                        <a:off x="3141663" y="4419600"/>
+                        <a:ext cx="2644775" cy="1997075"/>
+                      </a:xfrm>
+                      <a:prstGeom prst="rect">
+                        <a:avLst/>
+                      </a:prstGeom>
+                    </p:spPr>
+                  </p:pic>
+                </p:oleObj>
+              </mc:Fallback>
+            </mc:AlternateContent>
+          </a:graphicData>
+        </a:graphic>
+      </p:graphicFrame>
     </p:spTree>
   </p:cSld>
   <p:clrMapOvr>
@@ -12106,9 +12255,229 @@
   <p:timing>
     <p:tnLst>
       <p:par>
-        <p:cTn xmlns:p14="http://schemas.microsoft.com/office/powerpoint/2010/main" id="1" dur="indefinite" restart="never" nodeType="tmRoot"/>
+        <p:cTn xmlns:p14="http://schemas.microsoft.com/office/powerpoint/2010/main" id="1" dur="indefinite" restart="never" nodeType="tmRoot">
+          <p:childTnLst>
+            <p:seq concurrent="1" nextAc="seek">
+              <p:cTn id="2" dur="indefinite" nodeType="mainSeq">
+                <p:childTnLst>
+                  <p:par>
+                    <p:cTn id="3" fill="hold">
+                      <p:stCondLst>
+                        <p:cond delay="indefinite"/>
+                      </p:stCondLst>
+                      <p:childTnLst>
+                        <p:par>
+                          <p:cTn id="4" fill="hold">
+                            <p:stCondLst>
+                              <p:cond delay="0"/>
+                            </p:stCondLst>
+                            <p:childTnLst>
+                              <p:par>
+                                <p:cTn id="5" presetID="9" presetClass="entr" presetSubtype="0" fill="hold" nodeType="clickEffect">
+                                  <p:stCondLst>
+                                    <p:cond delay="0"/>
+                                  </p:stCondLst>
+                                  <p:childTnLst>
+                                    <p:set>
+                                      <p:cBhvr>
+                                        <p:cTn id="6" dur="1" fill="hold">
+                                          <p:stCondLst>
+                                            <p:cond delay="0"/>
+                                          </p:stCondLst>
+                                        </p:cTn>
+                                        <p:tgtEl>
+                                          <p:spTgt spid="17410"/>
+                                        </p:tgtEl>
+                                        <p:attrNameLst>
+                                          <p:attrName>style.visibility</p:attrName>
+                                        </p:attrNameLst>
+                                      </p:cBhvr>
+                                      <p:to>
+                                        <p:strVal val="visible"/>
+                                      </p:to>
+                                    </p:set>
+                                    <p:animEffect transition="in" filter="dissolve">
+                                      <p:cBhvr>
+                                        <p:cTn id="7" dur="500"/>
+                                        <p:tgtEl>
+                                          <p:spTgt spid="17410"/>
+                                        </p:tgtEl>
+                                      </p:cBhvr>
+                                    </p:animEffect>
+                                  </p:childTnLst>
+                                </p:cTn>
+                              </p:par>
+                              <p:par>
+                                <p:cTn id="8" presetID="9" presetClass="entr" presetSubtype="0" fill="hold" grpId="0" nodeType="withEffect">
+                                  <p:stCondLst>
+                                    <p:cond delay="0"/>
+                                  </p:stCondLst>
+                                  <p:childTnLst>
+                                    <p:set>
+                                      <p:cBhvr>
+                                        <p:cTn id="9" dur="1" fill="hold">
+                                          <p:stCondLst>
+                                            <p:cond delay="0"/>
+                                          </p:stCondLst>
+                                        </p:cTn>
+                                        <p:tgtEl>
+                                          <p:spTgt spid="17416"/>
+                                        </p:tgtEl>
+                                        <p:attrNameLst>
+                                          <p:attrName>style.visibility</p:attrName>
+                                        </p:attrNameLst>
+                                      </p:cBhvr>
+                                      <p:to>
+                                        <p:strVal val="visible"/>
+                                      </p:to>
+                                    </p:set>
+                                    <p:animEffect transition="in" filter="dissolve">
+                                      <p:cBhvr>
+                                        <p:cTn id="10" dur="500"/>
+                                        <p:tgtEl>
+                                          <p:spTgt spid="17416"/>
+                                        </p:tgtEl>
+                                      </p:cBhvr>
+                                    </p:animEffect>
+                                  </p:childTnLst>
+                                </p:cTn>
+                              </p:par>
+                            </p:childTnLst>
+                          </p:cTn>
+                        </p:par>
+                      </p:childTnLst>
+                    </p:cTn>
+                  </p:par>
+                  <p:par>
+                    <p:cTn id="11" fill="hold">
+                      <p:stCondLst>
+                        <p:cond delay="indefinite"/>
+                      </p:stCondLst>
+                      <p:childTnLst>
+                        <p:par>
+                          <p:cTn id="12" fill="hold">
+                            <p:stCondLst>
+                              <p:cond delay="0"/>
+                            </p:stCondLst>
+                            <p:childTnLst>
+                              <p:par>
+                                <p:cTn id="13" presetID="22" presetClass="entr" presetSubtype="8" fill="hold" nodeType="clickEffect">
+                                  <p:stCondLst>
+                                    <p:cond delay="0"/>
+                                  </p:stCondLst>
+                                  <p:childTnLst>
+                                    <p:set>
+                                      <p:cBhvr>
+                                        <p:cTn id="14" dur="1" fill="hold">
+                                          <p:stCondLst>
+                                            <p:cond delay="0"/>
+                                          </p:stCondLst>
+                                        </p:cTn>
+                                        <p:tgtEl>
+                                          <p:spTgt spid="17411"/>
+                                        </p:tgtEl>
+                                        <p:attrNameLst>
+                                          <p:attrName>style.visibility</p:attrName>
+                                        </p:attrNameLst>
+                                      </p:cBhvr>
+                                      <p:to>
+                                        <p:strVal val="visible"/>
+                                      </p:to>
+                                    </p:set>
+                                    <p:animEffect transition="in" filter="wipe(left)">
+                                      <p:cBhvr>
+                                        <p:cTn id="15" dur="500"/>
+                                        <p:tgtEl>
+                                          <p:spTgt spid="17411"/>
+                                        </p:tgtEl>
+                                      </p:cBhvr>
+                                    </p:animEffect>
+                                  </p:childTnLst>
+                                </p:cTn>
+                              </p:par>
+                            </p:childTnLst>
+                          </p:cTn>
+                        </p:par>
+                      </p:childTnLst>
+                    </p:cTn>
+                  </p:par>
+                  <p:par>
+                    <p:cTn id="16" fill="hold">
+                      <p:stCondLst>
+                        <p:cond delay="indefinite"/>
+                      </p:stCondLst>
+                      <p:childTnLst>
+                        <p:par>
+                          <p:cTn id="17" fill="hold">
+                            <p:stCondLst>
+                              <p:cond delay="0"/>
+                            </p:stCondLst>
+                            <p:childTnLst>
+                              <p:par>
+                                <p:cTn id="18" presetID="22" presetClass="entr" presetSubtype="8" fill="hold" nodeType="clickEffect">
+                                  <p:stCondLst>
+                                    <p:cond delay="0"/>
+                                  </p:stCondLst>
+                                  <p:childTnLst>
+                                    <p:set>
+                                      <p:cBhvr>
+                                        <p:cTn id="19" dur="1" fill="hold">
+                                          <p:stCondLst>
+                                            <p:cond delay="0"/>
+                                          </p:stCondLst>
+                                        </p:cTn>
+                                        <p:tgtEl>
+                                          <p:spTgt spid="2"/>
+                                        </p:tgtEl>
+                                        <p:attrNameLst>
+                                          <p:attrName>style.visibility</p:attrName>
+                                        </p:attrNameLst>
+                                      </p:cBhvr>
+                                      <p:to>
+                                        <p:strVal val="visible"/>
+                                      </p:to>
+                                    </p:set>
+                                    <p:animEffect transition="in" filter="wipe(left)">
+                                      <p:cBhvr>
+                                        <p:cTn id="20" dur="500"/>
+                                        <p:tgtEl>
+                                          <p:spTgt spid="2"/>
+                                        </p:tgtEl>
+                                      </p:cBhvr>
+                                    </p:animEffect>
+                                  </p:childTnLst>
+                                </p:cTn>
+                              </p:par>
+                            </p:childTnLst>
+                          </p:cTn>
+                        </p:par>
+                      </p:childTnLst>
+                    </p:cTn>
+                  </p:par>
+                </p:childTnLst>
+              </p:cTn>
+              <p:prevCondLst>
+                <p:cond evt="onPrev" delay="0">
+                  <p:tgtEl>
+                    <p:sldTgt/>
+                  </p:tgtEl>
+                </p:cond>
+              </p:prevCondLst>
+              <p:nextCondLst>
+                <p:cond evt="onNext" delay="0">
+                  <p:tgtEl>
+                    <p:sldTgt/>
+                  </p:tgtEl>
+                </p:cond>
+              </p:nextCondLst>
+            </p:seq>
+          </p:childTnLst>
+        </p:cTn>
       </p:par>
     </p:tnLst>
+    <p:bldLst>
+      <p:bldP spid="17416" grpId="0"/>
+    </p:bldLst>
   </p:timing>
 </p:sld>
 </file>
@@ -12211,10 +12580,19 @@
                 </a:solidFill>
                 <a:latin typeface="Comic Sans MS" pitchFamily="66" charset="0"/>
               </a:rPr>
-              <a:t>  f(n)</a:t>
+              <a:t>  </a:t>
             </a:r>
             <a:r>
               <a:rPr lang="en-US" sz="6600" dirty="0">
+                <a:solidFill>
+                  <a:srgbClr val="0000FF"/>
+                </a:solidFill>
+                <a:latin typeface="Comic Sans MS" pitchFamily="66" charset="0"/>
+              </a:rPr>
+              <a:t>f(n)</a:t>
+            </a:r>
+            <a:r>
+              <a:rPr lang="en-US" sz="6600" dirty="0">
                 <a:latin typeface="Comic Sans MS" pitchFamily="66" charset="0"/>
               </a:rPr>
               <a:t> </a:t>
@@ -12237,11 +12615,20 @@
             <a:r>
               <a:rPr lang="en-US" sz="6600" dirty="0">
                 <a:solidFill>
+                  <a:srgbClr val="0000FF"/>
+                </a:solidFill>
+                <a:latin typeface="Comic Sans MS" pitchFamily="66" charset="0"/>
+              </a:rPr>
+              <a:t>g(n)</a:t>
+            </a:r>
+            <a:r>
+              <a:rPr lang="en-US" sz="6600" dirty="0">
+                <a:solidFill>
                   <a:srgbClr val="0033CC"/>
                 </a:solidFill>
                 <a:latin typeface="Comic Sans MS" pitchFamily="66" charset="0"/>
               </a:rPr>
-              <a:t>g(n) </a:t>
+              <a:t> </a:t>
             </a:r>
             <a:endParaRPr lang="en-US" sz="5400" dirty="0">
               <a:solidFill>
@@ -12261,25 +12648,25 @@
           <p:nvPr>
             <p:extLst>
               <p:ext uri="{D42A27DB-BD31-4B8C-83A1-F6EECF244321}">
-                <p14:modId xmlns:p14="http://schemas.microsoft.com/office/powerpoint/2010/main" val="1185033623"/>
+                <p14:modId xmlns:p14="http://schemas.microsoft.com/office/powerpoint/2010/main" val="895454811"/>
               </p:ext>
             </p:extLst>
           </p:nvPr>
         </p:nvGraphicFramePr>
         <p:xfrm>
-          <a:off x="2413000" y="2981325"/>
-          <a:ext cx="4332288" cy="2392363"/>
+          <a:off x="2246313" y="2981325"/>
+          <a:ext cx="4665662" cy="2392363"/>
         </p:xfrm>
         <a:graphic>
           <a:graphicData uri="http://schemas.openxmlformats.org/presentationml/2006/ole">
             <mc:AlternateContent xmlns:mc="http://schemas.openxmlformats.org/markup-compatibility/2006">
               <mc:Choice xmlns:v="urn:schemas-microsoft-com:vml" Requires="v">
-                <p:oleObj spid="_x0000_s149526" name="Equation" r:id="rId4" imgW="825500" imgH="457200" progId="Equation.DSMT4">
+                <p:oleObj spid="_x0000_s149531" name="Equation" r:id="rId4" imgW="889000" imgH="457200" progId="Equation.DSMT4">
                   <p:embed/>
                 </p:oleObj>
               </mc:Choice>
               <mc:Fallback>
-                <p:oleObj name="Equation" r:id="rId4" imgW="825500" imgH="457200" progId="Equation.DSMT4">
+                <p:oleObj name="Equation" r:id="rId4" imgW="889000" imgH="457200" progId="Equation.DSMT4">
                   <p:embed/>
                   <p:pic>
                     <p:nvPicPr>
@@ -12298,8 +12685,8 @@
                     </p:blipFill>
                     <p:spPr bwMode="auto">
                       <a:xfrm>
-                        <a:off x="2413000" y="2981325"/>
-                        <a:ext cx="4332288" cy="2392363"/>
+                        <a:off x="2246313" y="2981325"/>
+                        <a:ext cx="4665662" cy="2392363"/>
                       </a:xfrm>
                       <a:prstGeom prst="rect">
                         <a:avLst/>
@@ -12447,83 +12834,6 @@
       </p:grpSpPr>
       <p:sp>
         <p:nvSpPr>
-          <p:cNvPr id="18440" name="Rectangle 2"/>
-          <p:cNvSpPr>
-            <a:spLocks noGrp="1" noChangeArrowheads="1"/>
-          </p:cNvSpPr>
-          <p:nvPr>
-            <p:ph type="body" idx="1"/>
-          </p:nvPr>
-        </p:nvSpPr>
-        <p:spPr>
-          <a:xfrm>
-            <a:off x="676275" y="1147763"/>
-            <a:ext cx="7772400" cy="1352550"/>
-          </a:xfrm>
-        </p:spPr>
-        <p:txBody>
-          <a:bodyPr/>
-          <a:lstStyle/>
-          <a:p>
-            <a:pPr marL="0" indent="0" eaLnBrk="1" hangingPunct="1">
-              <a:buFontTx/>
-              <a:buNone/>
-            </a:pPr>
-            <a:r>
-              <a:rPr lang="en-US" sz="4000" i="1" dirty="0" smtClean="0"/>
-              <a:t>Lemma:</a:t>
-            </a:r>
-            <a:r>
-              <a:rPr lang="en-US" sz="4400" dirty="0" smtClean="0"/>
-              <a:t> </a:t>
-            </a:r>
-            <a:r>
-              <a:rPr lang="en-US" sz="4400" dirty="0" err="1" smtClean="0"/>
-              <a:t>ln</a:t>
-            </a:r>
-            <a:r>
-              <a:rPr lang="en-US" sz="4400" dirty="0" smtClean="0"/>
-              <a:t> </a:t>
-            </a:r>
-            <a:r>
-              <a:rPr lang="en-US" sz="4400" dirty="0" err="1" smtClean="0"/>
-              <a:t>x</a:t>
-            </a:r>
-            <a:r>
-              <a:rPr lang="en-US" sz="4400" dirty="0" smtClean="0"/>
-              <a:t>  = </a:t>
-            </a:r>
-            <a:r>
-              <a:rPr lang="en-US" sz="4400" dirty="0" err="1" smtClean="0"/>
-              <a:t>o(x</a:t>
-            </a:r>
-            <a:r>
-              <a:rPr lang="en-US" sz="4400" baseline="30000" dirty="0" err="1" smtClean="0">
-                <a:sym typeface="Symbol" pitchFamily="18" charset="2"/>
-              </a:rPr>
-              <a:t>ε</a:t>
-            </a:r>
-            <a:r>
-              <a:rPr lang="en-US" sz="4400" dirty="0" smtClean="0"/>
-              <a:t>) for </a:t>
-            </a:r>
-            <a:r>
-              <a:rPr lang="en-US" sz="4400" dirty="0" err="1" smtClean="0">
-                <a:sym typeface="Symbol" pitchFamily="18" charset="2"/>
-              </a:rPr>
-              <a:t>ε</a:t>
-            </a:r>
-            <a:r>
-              <a:rPr lang="en-US" sz="4400" dirty="0" smtClean="0">
-                <a:sym typeface="Symbol" pitchFamily="18" charset="2"/>
-              </a:rPr>
-              <a:t> &gt; 0.</a:t>
-            </a:r>
-          </a:p>
-        </p:txBody>
-      </p:sp>
-      <p:sp>
-        <p:nvSpPr>
           <p:cNvPr id="18441" name="Text Box 3"/>
           <p:cNvSpPr txBox="1">
             <a:spLocks noChangeArrowheads="1"/>
@@ -12575,22 +12885,28 @@
           <p:cNvGraphicFramePr>
             <a:graphicFrameLocks noChangeAspect="1"/>
           </p:cNvGraphicFramePr>
-          <p:nvPr/>
+          <p:nvPr>
+            <p:extLst>
+              <p:ext uri="{D42A27DB-BD31-4B8C-83A1-F6EECF244321}">
+                <p14:modId xmlns:p14="http://schemas.microsoft.com/office/powerpoint/2010/main" val="1017230607"/>
+              </p:ext>
+            </p:extLst>
+          </p:nvPr>
         </p:nvGraphicFramePr>
         <p:xfrm>
-          <a:off x="6345238" y="2068513"/>
-          <a:ext cx="2549525" cy="1060450"/>
+          <a:off x="6345238" y="2162175"/>
+          <a:ext cx="2549525" cy="1114425"/>
         </p:xfrm>
         <a:graphic>
           <a:graphicData uri="http://schemas.openxmlformats.org/presentationml/2006/ole">
             <mc:AlternateContent xmlns:mc="http://schemas.openxmlformats.org/markup-compatibility/2006">
               <mc:Choice xmlns:v="urn:schemas-microsoft-com:vml" Requires="v">
-                <p:oleObj spid="_x0000_s160836" name="Equation" r:id="rId4" imgW="609480" imgH="253800" progId="Equation.DSMT4">
+                <p:oleObj spid="_x0000_s160862" name="Equation" r:id="rId4" imgW="609600" imgH="266700" progId="Equation.DSMT4">
                   <p:embed/>
                 </p:oleObj>
               </mc:Choice>
               <mc:Fallback>
-                <p:oleObj name="Equation" r:id="rId4" imgW="609480" imgH="253800" progId="Equation.DSMT4">
+                <p:oleObj name="Equation" r:id="rId4" imgW="609600" imgH="266700" progId="Equation.DSMT4">
                   <p:embed/>
                   <p:pic>
                     <p:nvPicPr>
@@ -12601,13 +12917,7 @@
                       <p:nvPr/>
                     </p:nvPicPr>
                     <p:blipFill>
-                      <a:blip r:embed="rId5">
-                        <a:extLst>
-                          <a:ext uri="{28A0092B-C50C-407E-A947-70E740481C1C}">
-                            <a14:useLocalDpi xmlns:a14="http://schemas.microsoft.com/office/drawing/2010/main" val="0"/>
-                          </a:ext>
-                        </a:extLst>
-                      </a:blip>
+                      <a:blip r:embed="rId5"/>
                       <a:srcRect/>
                       <a:stretch>
                         <a:fillRect/>
@@ -12615,8 +12925,8 @@
                     </p:blipFill>
                     <p:spPr bwMode="auto">
                       <a:xfrm>
-                        <a:off x="6345238" y="2068513"/>
-                        <a:ext cx="2549525" cy="1060450"/>
+                        <a:off x="6345238" y="2162175"/>
+                        <a:ext cx="2549525" cy="1114425"/>
                       </a:xfrm>
                       <a:prstGeom prst="rect">
                         <a:avLst/>
@@ -12655,7 +12965,7 @@
           <a:graphicData uri="http://schemas.openxmlformats.org/presentationml/2006/ole">
             <mc:AlternateContent xmlns:mc="http://schemas.openxmlformats.org/markup-compatibility/2006">
               <mc:Choice xmlns:v="urn:schemas-microsoft-com:vml" Requires="v">
-                <p:oleObj spid="_x0000_s160837" name="Equation" r:id="rId6" imgW="114120" imgH="215640" progId="Equation.3">
+                <p:oleObj spid="_x0000_s160863" name="Equation" r:id="rId6" imgW="114120" imgH="215640" progId="Equation.3">
                   <p:embed/>
                 </p:oleObj>
               </mc:Choice>
@@ -12715,22 +13025,28 @@
           <p:cNvGraphicFramePr>
             <a:graphicFrameLocks noChangeAspect="1"/>
           </p:cNvGraphicFramePr>
-          <p:nvPr/>
+          <p:nvPr>
+            <p:extLst>
+              <p:ext uri="{D42A27DB-BD31-4B8C-83A1-F6EECF244321}">
+                <p14:modId xmlns:p14="http://schemas.microsoft.com/office/powerpoint/2010/main" val="1900993669"/>
+              </p:ext>
+            </p:extLst>
+          </p:nvPr>
         </p:nvGraphicFramePr>
         <p:xfrm>
-          <a:off x="1781175" y="3378200"/>
-          <a:ext cx="2690813" cy="1612900"/>
+          <a:off x="1731963" y="3354388"/>
+          <a:ext cx="2787650" cy="1662112"/>
         </p:xfrm>
         <a:graphic>
           <a:graphicData uri="http://schemas.openxmlformats.org/presentationml/2006/ole">
             <mc:AlternateContent xmlns:mc="http://schemas.openxmlformats.org/markup-compatibility/2006">
               <mc:Choice xmlns:v="urn:schemas-microsoft-com:vml" Requires="v">
-                <p:oleObj spid="_x0000_s160838" name="Equation" r:id="rId8" imgW="698400" imgH="419040" progId="Equation.DSMT4">
+                <p:oleObj spid="_x0000_s160864" name="Equation" r:id="rId8" imgW="723900" imgH="431800" progId="Equation.DSMT4">
                   <p:embed/>
                 </p:oleObj>
               </mc:Choice>
               <mc:Fallback>
-                <p:oleObj name="Equation" r:id="rId8" imgW="698400" imgH="419040" progId="Equation.DSMT4">
+                <p:oleObj name="Equation" r:id="rId8" imgW="723900" imgH="431800" progId="Equation.DSMT4">
                   <p:embed/>
                   <p:pic>
                     <p:nvPicPr>
@@ -12741,13 +13057,7 @@
                       <p:nvPr/>
                     </p:nvPicPr>
                     <p:blipFill>
-                      <a:blip r:embed="rId9">
-                        <a:extLst>
-                          <a:ext uri="{28A0092B-C50C-407E-A947-70E740481C1C}">
-                            <a14:useLocalDpi xmlns:a14="http://schemas.microsoft.com/office/drawing/2010/main" val="0"/>
-                          </a:ext>
-                        </a:extLst>
-                      </a:blip>
+                      <a:blip r:embed="rId9"/>
                       <a:srcRect/>
                       <a:stretch>
                         <a:fillRect/>
@@ -12755,8 +13065,8 @@
                     </p:blipFill>
                     <p:spPr bwMode="auto">
                       <a:xfrm>
-                        <a:off x="1781175" y="3378200"/>
-                        <a:ext cx="2690813" cy="1612900"/>
+                        <a:off x="1731963" y="3354388"/>
+                        <a:ext cx="2787650" cy="1662112"/>
                       </a:xfrm>
                       <a:prstGeom prst="rect">
                         <a:avLst/>
@@ -12785,22 +13095,28 @@
           <p:cNvGraphicFramePr>
             <a:graphicFrameLocks noChangeAspect="1"/>
           </p:cNvGraphicFramePr>
-          <p:nvPr/>
+          <p:nvPr>
+            <p:extLst>
+              <p:ext uri="{D42A27DB-BD31-4B8C-83A1-F6EECF244321}">
+                <p14:modId xmlns:p14="http://schemas.microsoft.com/office/powerpoint/2010/main" val="1689633008"/>
+              </p:ext>
+            </p:extLst>
+          </p:nvPr>
         </p:nvGraphicFramePr>
         <p:xfrm>
-          <a:off x="1657350" y="4865688"/>
-          <a:ext cx="4105275" cy="1612900"/>
+          <a:off x="1560513" y="4841875"/>
+          <a:ext cx="4302125" cy="1662113"/>
         </p:xfrm>
         <a:graphic>
           <a:graphicData uri="http://schemas.openxmlformats.org/presentationml/2006/ole">
             <mc:AlternateContent xmlns:mc="http://schemas.openxmlformats.org/markup-compatibility/2006">
               <mc:Choice xmlns:v="urn:schemas-microsoft-com:vml" Requires="v">
-                <p:oleObj spid="_x0000_s160839" name="Equation" r:id="rId10" imgW="1066680" imgH="419040" progId="Equation.DSMT4">
+                <p:oleObj spid="_x0000_s160865" name="Equation" r:id="rId10" imgW="1117600" imgH="431800" progId="Equation.DSMT4">
                   <p:embed/>
                 </p:oleObj>
               </mc:Choice>
               <mc:Fallback>
-                <p:oleObj name="Equation" r:id="rId10" imgW="1066680" imgH="419040" progId="Equation.DSMT4">
+                <p:oleObj name="Equation" r:id="rId10" imgW="1117600" imgH="431800" progId="Equation.DSMT4">
                   <p:embed/>
                   <p:pic>
                     <p:nvPicPr>
@@ -12811,13 +13127,7 @@
                       <p:nvPr/>
                     </p:nvPicPr>
                     <p:blipFill>
-                      <a:blip r:embed="rId11">
-                        <a:extLst>
-                          <a:ext uri="{28A0092B-C50C-407E-A947-70E740481C1C}">
-                            <a14:useLocalDpi xmlns:a14="http://schemas.microsoft.com/office/drawing/2010/main" val="0"/>
-                          </a:ext>
-                        </a:extLst>
-                      </a:blip>
+                      <a:blip r:embed="rId11"/>
                       <a:srcRect/>
                       <a:stretch>
                         <a:fillRect/>
@@ -12825,8 +13135,8 @@
                     </p:blipFill>
                     <p:spPr bwMode="auto">
                       <a:xfrm>
-                        <a:off x="1657350" y="4865688"/>
-                        <a:ext cx="4105275" cy="1612900"/>
+                        <a:off x="1560513" y="4841875"/>
+                        <a:ext cx="4302125" cy="1662113"/>
                       </a:xfrm>
                       <a:prstGeom prst="rect">
                         <a:avLst/>
@@ -12979,92 +13289,31 @@
             </a:pPr>
             <a:r>
               <a:rPr lang="en-US" sz="4400" dirty="0">
+                <a:solidFill>
+                  <a:srgbClr val="B702A0"/>
+                </a:solidFill>
                 <a:latin typeface="Comic Sans MS" pitchFamily="66" charset="0"/>
               </a:rPr>
               <a:t>Proof</a:t>
             </a:r>
             <a:r>
               <a:rPr lang="en-US" sz="4400" dirty="0" smtClean="0">
+                <a:solidFill>
+                  <a:srgbClr val="B702A0"/>
+                </a:solidFill>
                 <a:latin typeface="Comic Sans MS" pitchFamily="66" charset="0"/>
               </a:rPr>
               <a:t>:</a:t>
             </a:r>
             <a:endParaRPr lang="en-US" sz="4400" dirty="0">
+              <a:solidFill>
+                <a:srgbClr val="B702A0"/>
+              </a:solidFill>
               <a:latin typeface="Comic Sans MS" pitchFamily="66" charset="0"/>
             </a:endParaRPr>
           </a:p>
         </p:txBody>
       </p:sp>
-      <p:graphicFrame>
-        <p:nvGraphicFramePr>
-          <p:cNvPr id="18438" name="Object 10"/>
-          <p:cNvGraphicFramePr>
-            <a:graphicFrameLocks noChangeAspect="1"/>
-          </p:cNvGraphicFramePr>
-          <p:nvPr/>
-        </p:nvGraphicFramePr>
-        <p:xfrm>
-          <a:off x="2205038" y="1841500"/>
-          <a:ext cx="2203450" cy="1647825"/>
-        </p:xfrm>
-        <a:graphic>
-          <a:graphicData uri="http://schemas.openxmlformats.org/presentationml/2006/ole">
-            <mc:AlternateContent xmlns:mc="http://schemas.openxmlformats.org/markup-compatibility/2006">
-              <mc:Choice xmlns:v="urn:schemas-microsoft-com:vml" Requires="v">
-                <p:oleObj spid="_x0000_s160840" name="Equation" r:id="rId12" imgW="558720" imgH="419040" progId="Equation.DSMT4">
-                  <p:embed/>
-                </p:oleObj>
-              </mc:Choice>
-              <mc:Fallback>
-                <p:oleObj name="Equation" r:id="rId12" imgW="558720" imgH="419040" progId="Equation.DSMT4">
-                  <p:embed/>
-                  <p:pic>
-                    <p:nvPicPr>
-                      <p:cNvPr id="0" name="Object 10"/>
-                      <p:cNvPicPr>
-                        <a:picLocks noChangeAspect="1" noChangeArrowheads="1"/>
-                      </p:cNvPicPr>
-                      <p:nvPr/>
-                    </p:nvPicPr>
-                    <p:blipFill>
-                      <a:blip r:embed="rId13">
-                        <a:extLst>
-                          <a:ext uri="{28A0092B-C50C-407E-A947-70E740481C1C}">
-                            <a14:useLocalDpi xmlns:a14="http://schemas.microsoft.com/office/drawing/2010/main" val="0"/>
-                          </a:ext>
-                        </a:extLst>
-                      </a:blip>
-                      <a:srcRect/>
-                      <a:stretch>
-                        <a:fillRect/>
-                      </a:stretch>
-                    </p:blipFill>
-                    <p:spPr bwMode="auto">
-                      <a:xfrm>
-                        <a:off x="2205038" y="1841500"/>
-                        <a:ext cx="2203450" cy="1647825"/>
-                      </a:xfrm>
-                      <a:prstGeom prst="rect">
-                        <a:avLst/>
-                      </a:prstGeom>
-                      <a:noFill/>
-                      <a:extLst>
-                        <a:ext uri="{909E8E84-426E-40dd-AFC4-6F175D3DCCD1}">
-                          <a14:hiddenFill xmlns:a14="http://schemas.microsoft.com/office/drawing/2010/main">
-                            <a:solidFill>
-                              <a:schemeClr val="accent1"/>
-                            </a:solidFill>
-                          </a14:hiddenFill>
-                        </a:ext>
-                      </a:extLst>
-                    </p:spPr>
-                  </p:pic>
-                </p:oleObj>
-              </mc:Fallback>
-            </mc:AlternateContent>
-          </a:graphicData>
-        </a:graphic>
-      </p:graphicFrame>
       <p:sp>
         <p:nvSpPr>
           <p:cNvPr id="18444" name="Rectangle 11"/>
@@ -13095,6 +13344,268 @@
               </a:rPr>
               <a:t>o(∙)</a:t>
             </a:r>
+          </a:p>
+        </p:txBody>
+      </p:sp>
+      <p:graphicFrame>
+        <p:nvGraphicFramePr>
+          <p:cNvPr id="12" name="Object 11"/>
+          <p:cNvGraphicFramePr>
+            <a:graphicFrameLocks noChangeAspect="1"/>
+          </p:cNvGraphicFramePr>
+          <p:nvPr>
+            <p:extLst>
+              <p:ext uri="{D42A27DB-BD31-4B8C-83A1-F6EECF244321}">
+                <p14:modId xmlns:p14="http://schemas.microsoft.com/office/powerpoint/2010/main" val="4086916756"/>
+              </p:ext>
+            </p:extLst>
+          </p:nvPr>
+        </p:nvGraphicFramePr>
+        <p:xfrm>
+          <a:off x="2133600" y="1816359"/>
+          <a:ext cx="2438400" cy="1841241"/>
+        </p:xfrm>
+        <a:graphic>
+          <a:graphicData uri="http://schemas.openxmlformats.org/presentationml/2006/ole">
+            <mc:AlternateContent xmlns:mc="http://schemas.openxmlformats.org/markup-compatibility/2006">
+              <mc:Choice xmlns:v="urn:schemas-microsoft-com:vml" Requires="v">
+                <p:oleObj spid="_x0000_s160866" name="Equation" r:id="rId12" imgW="622300" imgH="469900" progId="Equation.DSMT4">
+                  <p:embed/>
+                </p:oleObj>
+              </mc:Choice>
+              <mc:Fallback>
+                <p:oleObj name="Equation" r:id="rId12" imgW="622300" imgH="469900" progId="Equation.DSMT4">
+                  <p:embed/>
+                  <p:pic>
+                    <p:nvPicPr>
+                      <p:cNvPr id="0" name=""/>
+                      <p:cNvPicPr/>
+                      <p:nvPr/>
+                    </p:nvPicPr>
+                    <p:blipFill>
+                      <a:blip r:embed="rId13"/>
+                      <a:stretch>
+                        <a:fillRect/>
+                      </a:stretch>
+                    </p:blipFill>
+                    <p:spPr>
+                      <a:xfrm>
+                        <a:off x="2133600" y="1816359"/>
+                        <a:ext cx="2438400" cy="1841241"/>
+                      </a:xfrm>
+                      <a:prstGeom prst="rect">
+                        <a:avLst/>
+                      </a:prstGeom>
+                    </p:spPr>
+                  </p:pic>
+                </p:oleObj>
+              </mc:Fallback>
+            </mc:AlternateContent>
+          </a:graphicData>
+        </a:graphic>
+      </p:graphicFrame>
+      <p:sp>
+        <p:nvSpPr>
+          <p:cNvPr id="14" name="Rectangle 2"/>
+          <p:cNvSpPr txBox="1">
+            <a:spLocks noChangeArrowheads="1"/>
+          </p:cNvSpPr>
+          <p:nvPr/>
+        </p:nvSpPr>
+        <p:spPr bwMode="auto">
+          <a:xfrm>
+            <a:off x="676275" y="1147763"/>
+            <a:ext cx="7772400" cy="1352550"/>
+          </a:xfrm>
+          <a:prstGeom prst="rect">
+            <a:avLst/>
+          </a:prstGeom>
+          <a:noFill/>
+          <a:ln w="9525">
+            <a:noFill/>
+            <a:miter lim="800000"/>
+            <a:headEnd/>
+            <a:tailEnd/>
+          </a:ln>
+        </p:spPr>
+        <p:txBody>
+          <a:bodyPr vert="horz" wrap="square" lIns="91440" tIns="45720" rIns="91440" bIns="45720" numCol="1" anchor="t" anchorCtr="0" compatLnSpc="1">
+            <a:prstTxWarp prst="textNoShape">
+              <a:avLst/>
+            </a:prstTxWarp>
+          </a:bodyPr>
+          <a:lstStyle>
+            <a:lvl1pPr marL="342900" indent="-342900" algn="l" rtl="0" eaLnBrk="0" fontAlgn="base" hangingPunct="0">
+              <a:spcBef>
+                <a:spcPct val="20000"/>
+              </a:spcBef>
+              <a:spcAft>
+                <a:spcPct val="0"/>
+              </a:spcAft>
+              <a:buNone/>
+              <a:defRPr sz="3200">
+                <a:solidFill>
+                  <a:schemeClr val="tx1"/>
+                </a:solidFill>
+                <a:latin typeface="+mn-lt"/>
+                <a:ea typeface="+mn-ea"/>
+                <a:cs typeface="+mn-cs"/>
+              </a:defRPr>
+            </a:lvl1pPr>
+            <a:lvl2pPr marL="742950" indent="-285750" algn="l" rtl="0" eaLnBrk="0" fontAlgn="base" hangingPunct="0">
+              <a:spcBef>
+                <a:spcPct val="20000"/>
+              </a:spcBef>
+              <a:spcAft>
+                <a:spcPct val="0"/>
+              </a:spcAft>
+              <a:buNone/>
+              <a:defRPr sz="2800">
+                <a:solidFill>
+                  <a:schemeClr val="tx1"/>
+                </a:solidFill>
+                <a:latin typeface="+mn-lt"/>
+              </a:defRPr>
+            </a:lvl2pPr>
+            <a:lvl3pPr marL="1143000" indent="-228600" algn="l" rtl="0" eaLnBrk="0" fontAlgn="base" hangingPunct="0">
+              <a:spcBef>
+                <a:spcPct val="20000"/>
+              </a:spcBef>
+              <a:spcAft>
+                <a:spcPct val="0"/>
+              </a:spcAft>
+              <a:buNone/>
+              <a:defRPr sz="2400">
+                <a:solidFill>
+                  <a:schemeClr val="tx1"/>
+                </a:solidFill>
+                <a:latin typeface="+mn-lt"/>
+              </a:defRPr>
+            </a:lvl3pPr>
+            <a:lvl4pPr marL="1600200" indent="-228600" algn="l" rtl="0" eaLnBrk="0" fontAlgn="base" hangingPunct="0">
+              <a:spcBef>
+                <a:spcPct val="20000"/>
+              </a:spcBef>
+              <a:spcAft>
+                <a:spcPct val="0"/>
+              </a:spcAft>
+              <a:buNone/>
+              <a:defRPr sz="2000">
+                <a:solidFill>
+                  <a:schemeClr val="tx1"/>
+                </a:solidFill>
+                <a:latin typeface="+mn-lt"/>
+              </a:defRPr>
+            </a:lvl4pPr>
+            <a:lvl5pPr marL="2057400" indent="-228600" algn="l" rtl="0" eaLnBrk="0" fontAlgn="base" hangingPunct="0">
+              <a:spcBef>
+                <a:spcPct val="20000"/>
+              </a:spcBef>
+              <a:spcAft>
+                <a:spcPct val="0"/>
+              </a:spcAft>
+              <a:buNone/>
+              <a:defRPr sz="2000">
+                <a:solidFill>
+                  <a:schemeClr val="tx1"/>
+                </a:solidFill>
+                <a:latin typeface="+mn-lt"/>
+              </a:defRPr>
+            </a:lvl5pPr>
+            <a:lvl6pPr marL="2514600" indent="-228600" algn="l" rtl="0" fontAlgn="base">
+              <a:spcBef>
+                <a:spcPct val="20000"/>
+              </a:spcBef>
+              <a:spcAft>
+                <a:spcPct val="0"/>
+              </a:spcAft>
+              <a:buChar char="»"/>
+              <a:defRPr sz="2000">
+                <a:solidFill>
+                  <a:schemeClr val="tx1"/>
+                </a:solidFill>
+                <a:latin typeface="+mn-lt"/>
+              </a:defRPr>
+            </a:lvl6pPr>
+            <a:lvl7pPr marL="2971800" indent="-228600" algn="l" rtl="0" fontAlgn="base">
+              <a:spcBef>
+                <a:spcPct val="20000"/>
+              </a:spcBef>
+              <a:spcAft>
+                <a:spcPct val="0"/>
+              </a:spcAft>
+              <a:buChar char="»"/>
+              <a:defRPr sz="2000">
+                <a:solidFill>
+                  <a:schemeClr val="tx1"/>
+                </a:solidFill>
+                <a:latin typeface="+mn-lt"/>
+              </a:defRPr>
+            </a:lvl7pPr>
+            <a:lvl8pPr marL="3429000" indent="-228600" algn="l" rtl="0" fontAlgn="base">
+              <a:spcBef>
+                <a:spcPct val="20000"/>
+              </a:spcBef>
+              <a:spcAft>
+                <a:spcPct val="0"/>
+              </a:spcAft>
+              <a:buChar char="»"/>
+              <a:defRPr sz="2000">
+                <a:solidFill>
+                  <a:schemeClr val="tx1"/>
+                </a:solidFill>
+                <a:latin typeface="+mn-lt"/>
+              </a:defRPr>
+            </a:lvl8pPr>
+            <a:lvl9pPr marL="3886200" indent="-228600" algn="l" rtl="0" fontAlgn="base">
+              <a:spcBef>
+                <a:spcPct val="20000"/>
+              </a:spcBef>
+              <a:spcAft>
+                <a:spcPct val="0"/>
+              </a:spcAft>
+              <a:buChar char="»"/>
+              <a:defRPr sz="2000">
+                <a:solidFill>
+                  <a:schemeClr val="tx1"/>
+                </a:solidFill>
+                <a:latin typeface="+mn-lt"/>
+              </a:defRPr>
+            </a:lvl9pPr>
+          </a:lstStyle>
+          <a:p>
+            <a:pPr marL="0" indent="0" eaLnBrk="1" hangingPunct="1"/>
+            <a:r>
+              <a:rPr lang="en-US" sz="3600" smtClean="0">
+                <a:solidFill>
+                  <a:srgbClr val="B702A0"/>
+                </a:solidFill>
+              </a:rPr>
+              <a:t>Lemma:</a:t>
+            </a:r>
+            <a:r>
+              <a:rPr lang="en-US" sz="4400" smtClean="0"/>
+              <a:t> ln x  = o(x</a:t>
+            </a:r>
+            <a:r>
+              <a:rPr lang="en-US" sz="4400" baseline="30000" smtClean="0">
+                <a:sym typeface="Symbol" pitchFamily="18" charset="2"/>
+              </a:rPr>
+              <a:t>ε</a:t>
+            </a:r>
+            <a:r>
+              <a:rPr lang="en-US" sz="4400" smtClean="0"/>
+              <a:t>) for </a:t>
+            </a:r>
+            <a:r>
+              <a:rPr lang="en-US" sz="4400" smtClean="0">
+                <a:sym typeface="Symbol" pitchFamily="18" charset="2"/>
+              </a:rPr>
+              <a:t>ε &gt; 0.</a:t>
+            </a:r>
+            <a:endParaRPr lang="en-US" sz="4400" dirty="0" smtClean="0">
+              <a:sym typeface="Symbol" pitchFamily="18" charset="2"/>
+            </a:endParaRPr>
           </a:p>
         </p:txBody>
       </p:sp>
@@ -13127,7 +13638,7 @@
                             </p:stCondLst>
                             <p:childTnLst>
                               <p:par>
-                                <p:cTn id="5" presetID="1" presetClass="entr" presetSubtype="0" fill="hold" nodeType="clickEffect">
+                                <p:cTn id="5" presetID="9" presetClass="entr" presetSubtype="0" fill="hold" nodeType="clickEffect">
                                   <p:stCondLst>
                                     <p:cond delay="0"/>
                                   </p:stCondLst>
@@ -13150,6 +13661,14 @@
                                         <p:strVal val="visible"/>
                                       </p:to>
                                     </p:set>
+                                    <p:animEffect transition="in" filter="dissolve">
+                                      <p:cBhvr>
+                                        <p:cTn id="7" dur="500"/>
+                                        <p:tgtEl>
+                                          <p:spTgt spid="614406"/>
+                                        </p:tgtEl>
+                                      </p:cBhvr>
+                                    </p:animEffect>
                                   </p:childTnLst>
                                 </p:cTn>
                               </p:par>
@@ -13160,26 +13679,26 @@
                     </p:cTn>
                   </p:par>
                   <p:par>
-                    <p:cTn id="7" fill="hold">
+                    <p:cTn id="8" fill="hold">
                       <p:stCondLst>
                         <p:cond delay="indefinite"/>
                       </p:stCondLst>
                       <p:childTnLst>
                         <p:par>
-                          <p:cTn id="8" fill="hold">
+                          <p:cTn id="9" fill="hold">
                             <p:stCondLst>
                               <p:cond delay="0"/>
                             </p:stCondLst>
                             <p:childTnLst>
                               <p:par>
-                                <p:cTn id="9" presetID="1" presetClass="entr" presetSubtype="0" fill="hold" nodeType="clickEffect">
+                                <p:cTn id="10" presetID="22" presetClass="entr" presetSubtype="8" fill="hold" nodeType="clickEffect">
                                   <p:stCondLst>
                                     <p:cond delay="0"/>
                                   </p:stCondLst>
                                   <p:childTnLst>
                                     <p:set>
                                       <p:cBhvr>
-                                        <p:cTn id="10" dur="1" fill="hold">
+                                        <p:cTn id="11" dur="1" fill="hold">
                                           <p:stCondLst>
                                             <p:cond delay="0"/>
                                           </p:stCondLst>
@@ -13195,18 +13714,26 @@
                                         <p:strVal val="visible"/>
                                       </p:to>
                                     </p:set>
+                                    <p:animEffect transition="in" filter="wipe(left)">
+                                      <p:cBhvr>
+                                        <p:cTn id="12" dur="500"/>
+                                        <p:tgtEl>
+                                          <p:spTgt spid="614407"/>
+                                        </p:tgtEl>
+                                      </p:cBhvr>
+                                    </p:animEffect>
                                   </p:childTnLst>
                                 </p:cTn>
                               </p:par>
                               <p:par>
-                                <p:cTn id="11" presetID="1" presetClass="entr" presetSubtype="0" fill="hold" grpId="0" nodeType="withEffect">
+                                <p:cTn id="13" presetID="9" presetClass="entr" presetSubtype="0" fill="hold" grpId="0" nodeType="withEffect">
                                   <p:stCondLst>
                                     <p:cond delay="0"/>
                                   </p:stCondLst>
                                   <p:childTnLst>
                                     <p:set>
                                       <p:cBhvr>
-                                        <p:cTn id="12" dur="1" fill="hold">
+                                        <p:cTn id="14" dur="1" fill="hold">
                                           <p:stCondLst>
                                             <p:cond delay="0"/>
                                           </p:stCondLst>
@@ -13222,6 +13749,14 @@
                                         <p:strVal val="visible"/>
                                       </p:to>
                                     </p:set>
+                                    <p:animEffect transition="in" filter="dissolve">
+                                      <p:cBhvr>
+                                        <p:cTn id="15" dur="500"/>
+                                        <p:tgtEl>
+                                          <p:spTgt spid="614408"/>
+                                        </p:tgtEl>
+                                      </p:cBhvr>
+                                    </p:animEffect>
                                   </p:childTnLst>
                                 </p:cTn>
                               </p:par>
@@ -13311,7 +13846,7 @@
               <a:buNone/>
             </a:pPr>
             <a:r>
-              <a:rPr lang="en-US" sz="6600" dirty="0" err="1" smtClean="0">
+              <a:rPr lang="en-US" sz="6600" dirty="0" smtClean="0">
                 <a:solidFill>
                   <a:srgbClr val="2525FF"/>
                 </a:solidFill>
@@ -13319,12 +13854,12 @@
               <a:t>x</a:t>
             </a:r>
             <a:r>
-              <a:rPr lang="en-US" sz="6600" baseline="30000" dirty="0" err="1" smtClean="0">
+              <a:rPr lang="en-US" sz="6600" baseline="30000" dirty="0" smtClean="0">
                 <a:solidFill>
                   <a:srgbClr val="2525FF"/>
                 </a:solidFill>
               </a:rPr>
-              <a:t>n</a:t>
+              <a:t>c</a:t>
             </a:r>
             <a:r>
               <a:rPr lang="en-US" sz="6600" dirty="0" smtClean="0">
@@ -14244,7 +14779,7 @@
           <a:graphicData uri="http://schemas.openxmlformats.org/presentationml/2006/ole">
             <mc:AlternateContent xmlns:mc="http://schemas.openxmlformats.org/markup-compatibility/2006">
               <mc:Choice xmlns:v="urn:schemas-microsoft-com:vml" Requires="v">
-                <p:oleObj spid="_x0000_s161813" name="Equation" r:id="rId4" imgW="114120" imgH="215640" progId="Equation.3">
+                <p:oleObj spid="_x0000_s161817" name="Equation" r:id="rId4" imgW="114120" imgH="215640" progId="Equation.3">
                   <p:embed/>
                 </p:oleObj>
               </mc:Choice>
@@ -14827,7 +15362,7 @@
           <a:graphicData uri="http://schemas.openxmlformats.org/presentationml/2006/ole">
             <mc:AlternateContent xmlns:mc="http://schemas.openxmlformats.org/markup-compatibility/2006">
               <mc:Choice xmlns:v="urn:schemas-microsoft-com:vml" Requires="v">
-                <p:oleObj spid="_x0000_s162839" name="Equation" r:id="rId4" imgW="114120" imgH="215640" progId="Equation.3">
+                <p:oleObj spid="_x0000_s162843" name="Equation" r:id="rId4" imgW="114120" imgH="215640" progId="Equation.3">
                   <p:embed/>
                 </p:oleObj>
               </mc:Choice>
@@ -15396,7 +15931,7 @@
           <a:graphicData uri="http://schemas.openxmlformats.org/presentationml/2006/ole">
             <mc:AlternateContent xmlns:mc="http://schemas.openxmlformats.org/markup-compatibility/2006">
               <mc:Choice xmlns:v="urn:schemas-microsoft-com:vml" Requires="v">
-                <p:oleObj spid="_x0000_s163887" name="Equation" r:id="rId4" imgW="723900" imgH="482600" progId="Equation.DSMT4">
+                <p:oleObj spid="_x0000_s163897" name="Equation" r:id="rId4" imgW="723900" imgH="482600" progId="Equation.DSMT4">
                   <p:embed/>
                 </p:oleObj>
               </mc:Choice>
@@ -15460,7 +15995,7 @@
           <a:graphicData uri="http://schemas.openxmlformats.org/presentationml/2006/ole">
             <mc:AlternateContent xmlns:mc="http://schemas.openxmlformats.org/markup-compatibility/2006">
               <mc:Choice xmlns:v="urn:schemas-microsoft-com:vml" Requires="v">
-                <p:oleObj spid="_x0000_s163888" name="Equation" r:id="rId6" imgW="114120" imgH="215640" progId="Equation.3">
+                <p:oleObj spid="_x0000_s163898" name="Equation" r:id="rId6" imgW="114120" imgH="215640" progId="Equation.3">
                   <p:embed/>
                 </p:oleObj>
               </mc:Choice>
@@ -15575,7 +16110,7 @@
           <a:graphicData uri="http://schemas.openxmlformats.org/presentationml/2006/ole">
             <mc:AlternateContent xmlns:mc="http://schemas.openxmlformats.org/markup-compatibility/2006">
               <mc:Choice xmlns:v="urn:schemas-microsoft-com:vml" Requires="v">
-                <p:oleObj spid="_x0000_s163889" name="Equation" r:id="rId8" imgW="762000" imgH="495300" progId="Equation.DSMT4">
+                <p:oleObj spid="_x0000_s163899" name="Equation" r:id="rId8" imgW="762000" imgH="495300" progId="Equation.DSMT4">
                   <p:embed/>
                 </p:oleObj>
               </mc:Choice>
@@ -16023,7 +16558,7 @@
           <a:graphicData uri="http://schemas.openxmlformats.org/presentationml/2006/ole">
             <mc:AlternateContent xmlns:mc="http://schemas.openxmlformats.org/markup-compatibility/2006">
               <mc:Choice xmlns:v="urn:schemas-microsoft-com:vml" Requires="v">
-                <p:oleObj spid="_x0000_s164917" name="Equation" r:id="rId4" imgW="1790700" imgH="444500" progId="Equation.DSMT4">
+                <p:oleObj spid="_x0000_s164927" name="Equation" r:id="rId4" imgW="1790700" imgH="444500" progId="Equation.DSMT4">
                   <p:embed/>
                 </p:oleObj>
               </mc:Choice>
@@ -16112,7 +16647,7 @@
           <a:graphicData uri="http://schemas.openxmlformats.org/presentationml/2006/ole">
             <mc:AlternateContent xmlns:mc="http://schemas.openxmlformats.org/markup-compatibility/2006">
               <mc:Choice xmlns:v="urn:schemas-microsoft-com:vml" Requires="v">
-                <p:oleObj spid="_x0000_s164918" name="Equation" r:id="rId6" imgW="114120" imgH="215640" progId="Equation.3">
+                <p:oleObj spid="_x0000_s164928" name="Equation" r:id="rId6" imgW="114120" imgH="215640" progId="Equation.3">
                   <p:embed/>
                 </p:oleObj>
               </mc:Choice>
@@ -16287,7 +16822,7 @@
           <a:graphicData uri="http://schemas.openxmlformats.org/presentationml/2006/ole">
             <mc:AlternateContent xmlns:mc="http://schemas.openxmlformats.org/markup-compatibility/2006">
               <mc:Choice xmlns:v="urn:schemas-microsoft-com:vml" Requires="v">
-                <p:oleObj spid="_x0000_s164919" name="Equation" r:id="rId8" imgW="723900" imgH="482600" progId="Equation.DSMT4">
+                <p:oleObj spid="_x0000_s164929" name="Equation" r:id="rId8" imgW="723900" imgH="482600" progId="Equation.DSMT4">
                   <p:embed/>
                 </p:oleObj>
               </mc:Choice>
@@ -16921,9 +17456,18 @@
           <a:p>
             <a:r>
               <a:rPr lang="en-US" sz="4000" dirty="0">
-                <a:latin typeface="Comic Sans MS" pitchFamily="66" charset="0"/>
-              </a:rPr>
-              <a:t>Lemma:</a:t>
+                <a:solidFill>
+                  <a:srgbClr val="B702A0"/>
+                </a:solidFill>
+                <a:latin typeface="Comic Sans MS" pitchFamily="66" charset="0"/>
+              </a:rPr>
+              <a:t>Lemma</a:t>
+            </a:r>
+            <a:r>
+              <a:rPr lang="en-US" sz="4000" dirty="0">
+                <a:latin typeface="Comic Sans MS" pitchFamily="66" charset="0"/>
+              </a:rPr>
+              <a:t>:</a:t>
             </a:r>
             <a:r>
               <a:rPr lang="en-US" sz="5400" dirty="0">
@@ -16966,7 +17510,7 @@
         <p:spPr bwMode="auto">
           <a:xfrm>
             <a:off x="962025" y="2279650"/>
-            <a:ext cx="6415088" cy="914400"/>
+            <a:ext cx="6180673" cy="923330"/>
           </a:xfrm>
           <a:prstGeom prst="rect">
             <a:avLst/>
@@ -16987,6 +17531,9 @@
           <a:p>
             <a:r>
               <a:rPr lang="en-US" sz="3600" dirty="0">
+                <a:solidFill>
+                  <a:srgbClr val="B702A0"/>
+                </a:solidFill>
                 <a:latin typeface="Comic Sans MS" pitchFamily="66" charset="0"/>
               </a:rPr>
               <a:t>Proof:</a:t>
@@ -17066,22 +17613,28 @@
           <p:cNvGraphicFramePr>
             <a:graphicFrameLocks noChangeAspect="1"/>
           </p:cNvGraphicFramePr>
-          <p:nvPr/>
+          <p:nvPr>
+            <p:extLst>
+              <p:ext uri="{D42A27DB-BD31-4B8C-83A1-F6EECF244321}">
+                <p14:modId xmlns:p14="http://schemas.microsoft.com/office/powerpoint/2010/main" val="726922336"/>
+              </p:ext>
+            </p:extLst>
+          </p:nvPr>
         </p:nvGraphicFramePr>
         <p:xfrm>
-          <a:off x="1062038" y="3419475"/>
-          <a:ext cx="7018337" cy="2668588"/>
+          <a:off x="1038225" y="3419475"/>
+          <a:ext cx="7067550" cy="2668588"/>
         </p:xfrm>
         <a:graphic>
           <a:graphicData uri="http://schemas.openxmlformats.org/presentationml/2006/ole">
             <mc:AlternateContent xmlns:mc="http://schemas.openxmlformats.org/markup-compatibility/2006">
               <mc:Choice xmlns:v="urn:schemas-microsoft-com:vml" Requires="v">
-                <p:oleObj spid="_x0000_s151572" name="Equation" r:id="rId4" imgW="1803240" imgH="685800" progId="Equation.DSMT4">
+                <p:oleObj spid="_x0000_s151578" name="Equation" r:id="rId4" imgW="1816100" imgH="685800" progId="Equation.DSMT4">
                   <p:embed/>
                 </p:oleObj>
               </mc:Choice>
               <mc:Fallback>
-                <p:oleObj name="Equation" r:id="rId4" imgW="1803240" imgH="685800" progId="Equation.DSMT4">
+                <p:oleObj name="Equation" r:id="rId4" imgW="1816100" imgH="685800" progId="Equation.DSMT4">
                   <p:embed/>
                   <p:pic>
                     <p:nvPicPr>
@@ -17092,13 +17645,7 @@
                       <p:nvPr/>
                     </p:nvPicPr>
                     <p:blipFill>
-                      <a:blip r:embed="rId5">
-                        <a:extLst>
-                          <a:ext uri="{28A0092B-C50C-407E-A947-70E740481C1C}">
-                            <a14:useLocalDpi xmlns:a14="http://schemas.microsoft.com/office/drawing/2010/main" val="0"/>
-                          </a:ext>
-                        </a:extLst>
-                      </a:blip>
+                      <a:blip r:embed="rId5"/>
                       <a:srcRect/>
                       <a:stretch>
                         <a:fillRect/>
@@ -17106,8 +17653,8 @@
                     </p:blipFill>
                     <p:spPr bwMode="auto">
                       <a:xfrm>
-                        <a:off x="1062038" y="3419475"/>
-                        <a:ext cx="7018337" cy="2668588"/>
+                        <a:off x="1038225" y="3419475"/>
+                        <a:ext cx="7067550" cy="2668588"/>
                       </a:xfrm>
                       <a:prstGeom prst="rect">
                         <a:avLst/>
@@ -17135,7 +17682,18 @@
   <p:clrMapOvr>
     <a:masterClrMapping/>
   </p:clrMapOvr>
-  <p:transition xmlns:p14="http://schemas.microsoft.com/office/powerpoint/2010/main"/>
+  <mc:AlternateContent xmlns:mc="http://schemas.openxmlformats.org/markup-compatibility/2006">
+    <mc:Choice xmlns:p14="http://schemas.microsoft.com/office/powerpoint/2010/main" Requires="p14">
+      <p:transition spd="slow" p14:dur="800">
+        <p:fade thruBlk="1"/>
+      </p:transition>
+    </mc:Choice>
+    <mc:Fallback>
+      <p:transition xmlns:p14="http://schemas.microsoft.com/office/powerpoint/2010/main" spd="slow">
+        <p:fade thruBlk="1"/>
+      </p:transition>
+    </mc:Fallback>
+  </mc:AlternateContent>
   <p:timing>
     <p:tnLst>
       <p:par>
@@ -17342,6 +17900,9 @@
           <a:p>
             <a:r>
               <a:rPr lang="en-US" sz="4000" dirty="0">
+                <a:solidFill>
+                  <a:srgbClr val="B702A0"/>
+                </a:solidFill>
                 <a:latin typeface="Comic Sans MS" pitchFamily="66" charset="0"/>
               </a:rPr>
               <a:t>Lemma:</a:t>
@@ -17408,6 +17969,9 @@
           <a:p>
             <a:r>
               <a:rPr lang="en-US" sz="3600" dirty="0">
+                <a:solidFill>
+                  <a:srgbClr val="B702A0"/>
+                </a:solidFill>
                 <a:latin typeface="Comic Sans MS" pitchFamily="66" charset="0"/>
               </a:rPr>
               <a:t>Proof:</a:t>
@@ -17475,7 +18039,18 @@
   <p:clrMapOvr>
     <a:masterClrMapping/>
   </p:clrMapOvr>
-  <p:transition xmlns:p14="http://schemas.microsoft.com/office/powerpoint/2010/main"/>
+  <mc:AlternateContent xmlns:mc="http://schemas.openxmlformats.org/markup-compatibility/2006">
+    <mc:Choice xmlns:p14="http://schemas.microsoft.com/office/powerpoint/2010/main" Requires="p14">
+      <p:transition spd="med" p14:dur="700">
+        <p:fade/>
+      </p:transition>
+    </mc:Choice>
+    <mc:Fallback>
+      <p:transition xmlns:p14="http://schemas.microsoft.com/office/powerpoint/2010/main" spd="med">
+        <p:fade/>
+      </p:transition>
+    </mc:Fallback>
+  </mc:AlternateContent>
   <p:timing>
     <p:tnLst>
       <p:par>
@@ -17552,7 +18127,7 @@
           <a:graphicData uri="http://schemas.openxmlformats.org/presentationml/2006/ole">
             <mc:AlternateContent xmlns:mc="http://schemas.openxmlformats.org/markup-compatibility/2006">
               <mc:Choice xmlns:v="urn:schemas-microsoft-com:vml" Requires="v">
-                <p:oleObj spid="_x0000_s152596" name="Equation" r:id="rId4" imgW="1777680" imgH="1523880" progId="Equation.DSMT4">
+                <p:oleObj spid="_x0000_s152602" name="Equation" r:id="rId4" imgW="1777680" imgH="1523880" progId="Equation.DSMT4">
                   <p:embed/>
                 </p:oleObj>
               </mc:Choice>
@@ -17611,7 +18186,18 @@
   <p:clrMapOvr>
     <a:masterClrMapping/>
   </p:clrMapOvr>
-  <p:transition xmlns:p14="http://schemas.microsoft.com/office/powerpoint/2010/main"/>
+  <mc:AlternateContent xmlns:mc="http://schemas.openxmlformats.org/markup-compatibility/2006">
+    <mc:Choice xmlns:p14="http://schemas.microsoft.com/office/powerpoint/2010/main" Requires="p14">
+      <p:transition spd="slow" p14:dur="800">
+        <p:fade thruBlk="1"/>
+      </p:transition>
+    </mc:Choice>
+    <mc:Fallback>
+      <p:transition xmlns:p14="http://schemas.microsoft.com/office/powerpoint/2010/main" spd="slow">
+        <p:fade thruBlk="1"/>
+      </p:transition>
+    </mc:Fallback>
+  </mc:AlternateContent>
   <p:timing>
     <p:tnLst>
       <p:par>
@@ -17658,7 +18244,7 @@
                                     </p:set>
                                     <p:animEffect transition="in" filter="wipe(up)">
                                       <p:cBhvr>
-                                        <p:cTn id="7" dur="1000"/>
+                                        <p:cTn id="7" dur="2000"/>
                                         <p:tgtEl>
                                           <p:spTgt spid="12290"/>
                                         </p:tgtEl>
@@ -17801,6 +18387,9 @@
             </a:pPr>
             <a:r>
               <a:rPr lang="en-US" sz="4800" dirty="0" smtClean="0">
+                <a:solidFill>
+                  <a:srgbClr val="B702A0"/>
+                </a:solidFill>
                 <a:latin typeface="Comic Sans MS" pitchFamily="66" charset="0"/>
               </a:rPr>
               <a:t>Def:</a:t>
@@ -17893,45 +18482,81 @@
           </a:p>
         </p:txBody>
       </p:sp>
+      <p:sp useBgFill="1">
+        <p:nvSpPr>
+          <p:cNvPr id="8" name="Rectangle 2"/>
+          <p:cNvSpPr>
+            <a:spLocks noGrp="1" noChangeArrowheads="1"/>
+          </p:cNvSpPr>
+          <p:nvPr>
+            <p:ph type="title"/>
+          </p:nvPr>
+        </p:nvSpPr>
+        <p:spPr>
+          <a:xfrm>
+            <a:off x="1143000" y="152400"/>
+            <a:ext cx="7239000" cy="914400"/>
+          </a:xfrm>
+        </p:spPr>
+        <p:txBody>
+          <a:bodyPr/>
+          <a:lstStyle/>
+          <a:p>
+            <a:pPr eaLnBrk="1" hangingPunct="1"/>
+            <a:r>
+              <a:rPr lang="en-US" dirty="0" smtClean="0"/>
+              <a:t>Little Oh:   </a:t>
+            </a:r>
+            <a:r>
+              <a:rPr lang="en-US" dirty="0" smtClean="0">
+                <a:solidFill>
+                  <a:srgbClr val="FF33CC"/>
+                </a:solidFill>
+              </a:rPr>
+              <a:t>o(∙)</a:t>
+            </a:r>
+          </a:p>
+        </p:txBody>
+      </p:sp>
       <p:graphicFrame>
         <p:nvGraphicFramePr>
-          <p:cNvPr id="483334" name="Object 6"/>
+          <p:cNvPr id="6" name="Object 6"/>
           <p:cNvGraphicFramePr>
             <a:graphicFrameLocks noChangeAspect="1"/>
           </p:cNvGraphicFramePr>
-          <p:nvPr/>
+          <p:nvPr>
+            <p:extLst>
+              <p:ext uri="{D42A27DB-BD31-4B8C-83A1-F6EECF244321}">
+                <p14:modId xmlns:p14="http://schemas.microsoft.com/office/powerpoint/2010/main" val="2319889666"/>
+              </p:ext>
+            </p:extLst>
+          </p:nvPr>
         </p:nvGraphicFramePr>
         <p:xfrm>
-          <a:off x="1347788" y="2981325"/>
-          <a:ext cx="6464300" cy="2392363"/>
+          <a:off x="2146300" y="2981325"/>
+          <a:ext cx="4865688" cy="2392363"/>
         </p:xfrm>
         <a:graphic>
           <a:graphicData uri="http://schemas.openxmlformats.org/presentationml/2006/ole">
             <mc:AlternateContent xmlns:mc="http://schemas.openxmlformats.org/markup-compatibility/2006">
               <mc:Choice xmlns:v="urn:schemas-microsoft-com:vml" Requires="v">
-                <p:oleObj spid="_x0000_s153621" name="Equation" r:id="rId4" imgW="1231900" imgH="457200" progId="Equation.DSMT4">
+                <p:oleObj spid="_x0000_s153625" name="Equation" r:id="rId4" imgW="927100" imgH="457200" progId="Equation.DSMT4">
                   <p:embed/>
                 </p:oleObj>
               </mc:Choice>
               <mc:Fallback>
-                <p:oleObj name="Equation" r:id="rId4" imgW="1231900" imgH="457200" progId="Equation.DSMT4">
+                <p:oleObj name="Equation" r:id="rId4" imgW="927100" imgH="457200" progId="Equation.DSMT4">
                   <p:embed/>
                   <p:pic>
                     <p:nvPicPr>
-                      <p:cNvPr id="0" name="Object 6"/>
+                      <p:cNvPr id="0" name=""/>
                       <p:cNvPicPr>
                         <a:picLocks noChangeAspect="1" noChangeArrowheads="1"/>
                       </p:cNvPicPr>
                       <p:nvPr/>
                     </p:nvPicPr>
                     <p:blipFill>
-                      <a:blip r:embed="rId5">
-                        <a:extLst>
-                          <a:ext uri="{28A0092B-C50C-407E-A947-70E740481C1C}">
-                            <a14:useLocalDpi xmlns:a14="http://schemas.microsoft.com/office/drawing/2010/main" val="0"/>
-                          </a:ext>
-                        </a:extLst>
-                      </a:blip>
+                      <a:blip r:embed="rId5"/>
                       <a:srcRect/>
                       <a:stretch>
                         <a:fillRect/>
@@ -17939,8 +18564,8 @@
                     </p:blipFill>
                     <p:spPr bwMode="auto">
                       <a:xfrm>
-                        <a:off x="1347788" y="2981325"/>
-                        <a:ext cx="6464300" cy="2392363"/>
+                        <a:off x="2146300" y="2981325"/>
+                        <a:ext cx="4865688" cy="2392363"/>
                       </a:xfrm>
                       <a:prstGeom prst="rect">
                         <a:avLst/>
@@ -17963,42 +18588,6 @@
           </a:graphicData>
         </a:graphic>
       </p:graphicFrame>
-      <p:sp useBgFill="1">
-        <p:nvSpPr>
-          <p:cNvPr id="8" name="Rectangle 2"/>
-          <p:cNvSpPr>
-            <a:spLocks noGrp="1" noChangeArrowheads="1"/>
-          </p:cNvSpPr>
-          <p:nvPr>
-            <p:ph type="title"/>
-          </p:nvPr>
-        </p:nvSpPr>
-        <p:spPr>
-          <a:xfrm>
-            <a:off x="1143000" y="152400"/>
-            <a:ext cx="7239000" cy="914400"/>
-          </a:xfrm>
-        </p:spPr>
-        <p:txBody>
-          <a:bodyPr/>
-          <a:lstStyle/>
-          <a:p>
-            <a:pPr eaLnBrk="1" hangingPunct="1"/>
-            <a:r>
-              <a:rPr lang="en-US" dirty="0" smtClean="0"/>
-              <a:t>Little Oh:   </a:t>
-            </a:r>
-            <a:r>
-              <a:rPr lang="en-US" dirty="0" smtClean="0">
-                <a:solidFill>
-                  <a:srgbClr val="FF33CC"/>
-                </a:solidFill>
-              </a:rPr>
-              <a:t>o(∙)</a:t>
-            </a:r>
-          </a:p>
-        </p:txBody>
-      </p:sp>
     </p:spTree>
   </p:cSld>
   <p:clrMapOvr>
@@ -18145,7 +18734,7 @@
                                           </p:stCondLst>
                                         </p:cTn>
                                         <p:tgtEl>
-                                          <p:spTgt spid="483334"/>
+                                          <p:spTgt spid="6"/>
                                         </p:tgtEl>
                                         <p:attrNameLst>
                                           <p:attrName>style.visibility</p:attrName>
@@ -18159,7 +18748,7 @@
                                       <p:cBhvr>
                                         <p:cTn id="15" dur="1000"/>
                                         <p:tgtEl>
-                                          <p:spTgt spid="483334"/>
+                                          <p:spTgt spid="6"/>
                                         </p:tgtEl>
                                       </p:cBhvr>
                                     </p:animEffect>
@@ -18290,22 +18879,28 @@
           <p:cNvGraphicFramePr>
             <a:graphicFrameLocks noChangeAspect="1"/>
           </p:cNvGraphicFramePr>
-          <p:nvPr/>
+          <p:nvPr>
+            <p:extLst>
+              <p:ext uri="{D42A27DB-BD31-4B8C-83A1-F6EECF244321}">
+                <p14:modId xmlns:p14="http://schemas.microsoft.com/office/powerpoint/2010/main" val="2478136810"/>
+              </p:ext>
+            </p:extLst>
+          </p:nvPr>
         </p:nvGraphicFramePr>
         <p:xfrm>
-          <a:off x="2570163" y="830263"/>
-          <a:ext cx="3987800" cy="1487487"/>
+          <a:off x="2532063" y="830263"/>
+          <a:ext cx="4065587" cy="1487487"/>
         </p:xfrm>
         <a:graphic>
           <a:graphicData uri="http://schemas.openxmlformats.org/presentationml/2006/ole">
             <mc:AlternateContent xmlns:mc="http://schemas.openxmlformats.org/markup-compatibility/2006">
               <mc:Choice xmlns:v="urn:schemas-microsoft-com:vml" Requires="v">
-                <p:oleObj spid="_x0000_s154656" name="Equation" r:id="rId4" imgW="647700" imgH="241300" progId="Equation.DSMT4">
+                <p:oleObj spid="_x0000_s154665" name="Equation" r:id="rId4" imgW="660400" imgH="241300" progId="Equation.DSMT4">
                   <p:embed/>
                 </p:oleObj>
               </mc:Choice>
               <mc:Fallback>
-                <p:oleObj name="Equation" r:id="rId4" imgW="647700" imgH="241300" progId="Equation.DSMT4">
+                <p:oleObj name="Equation" r:id="rId4" imgW="660400" imgH="241300" progId="Equation.DSMT4">
                   <p:embed/>
                   <p:pic>
                     <p:nvPicPr>
@@ -18316,13 +18911,7 @@
                       <p:nvPr/>
                     </p:nvPicPr>
                     <p:blipFill>
-                      <a:blip r:embed="rId5">
-                        <a:extLst>
-                          <a:ext uri="{28A0092B-C50C-407E-A947-70E740481C1C}">
-                            <a14:useLocalDpi xmlns:a14="http://schemas.microsoft.com/office/drawing/2010/main" val="0"/>
-                          </a:ext>
-                        </a:extLst>
-                      </a:blip>
+                      <a:blip r:embed="rId5"/>
                       <a:srcRect/>
                       <a:stretch>
                         <a:fillRect/>
@@ -18330,8 +18919,8 @@
                     </p:blipFill>
                     <p:spPr bwMode="auto">
                       <a:xfrm>
-                        <a:off x="2570163" y="830263"/>
-                        <a:ext cx="3987800" cy="1487487"/>
+                        <a:off x="2532063" y="830263"/>
+                        <a:ext cx="4065587" cy="1487487"/>
                       </a:xfrm>
                       <a:prstGeom prst="rect">
                         <a:avLst/>
@@ -18360,22 +18949,28 @@
           <p:cNvGraphicFramePr>
             <a:graphicFrameLocks noChangeAspect="1"/>
           </p:cNvGraphicFramePr>
-          <p:nvPr/>
+          <p:nvPr>
+            <p:extLst>
+              <p:ext uri="{D42A27DB-BD31-4B8C-83A1-F6EECF244321}">
+                <p14:modId xmlns:p14="http://schemas.microsoft.com/office/powerpoint/2010/main" val="1405486214"/>
+              </p:ext>
+            </p:extLst>
+          </p:nvPr>
         </p:nvGraphicFramePr>
         <p:xfrm>
-          <a:off x="1035050" y="2590800"/>
-          <a:ext cx="7037388" cy="2768600"/>
+          <a:off x="1033463" y="2628900"/>
+          <a:ext cx="7038975" cy="2690813"/>
         </p:xfrm>
         <a:graphic>
           <a:graphicData uri="http://schemas.openxmlformats.org/presentationml/2006/ole">
             <mc:AlternateContent xmlns:mc="http://schemas.openxmlformats.org/markup-compatibility/2006">
               <mc:Choice xmlns:v="urn:schemas-microsoft-com:vml" Requires="v">
-                <p:oleObj spid="_x0000_s154657" name="Equation" r:id="rId6" imgW="1130300" imgH="444500" progId="Equation.DSMT4">
+                <p:oleObj spid="_x0000_s154666" name="Equation" r:id="rId6" imgW="1130300" imgH="431800" progId="Equation.DSMT4">
                   <p:embed/>
                 </p:oleObj>
               </mc:Choice>
               <mc:Fallback>
-                <p:oleObj name="Equation" r:id="rId6" imgW="1130300" imgH="444500" progId="Equation.DSMT4">
+                <p:oleObj name="Equation" r:id="rId6" imgW="1130300" imgH="431800" progId="Equation.DSMT4">
                   <p:embed/>
                   <p:pic>
                     <p:nvPicPr>
@@ -18386,13 +18981,7 @@
                       <p:nvPr/>
                     </p:nvPicPr>
                     <p:blipFill>
-                      <a:blip r:embed="rId7">
-                        <a:extLst>
-                          <a:ext uri="{28A0092B-C50C-407E-A947-70E740481C1C}">
-                            <a14:useLocalDpi xmlns:a14="http://schemas.microsoft.com/office/drawing/2010/main" val="0"/>
-                          </a:ext>
-                        </a:extLst>
-                      </a:blip>
+                      <a:blip r:embed="rId7"/>
                       <a:srcRect/>
                       <a:stretch>
                         <a:fillRect/>
@@ -18400,8 +18989,8 @@
                     </p:blipFill>
                     <p:spPr bwMode="auto">
                       <a:xfrm>
-                        <a:off x="1035050" y="2590800"/>
-                        <a:ext cx="7037388" cy="2768600"/>
+                        <a:off x="1033463" y="2628900"/>
+                        <a:ext cx="7038975" cy="2690813"/>
                       </a:xfrm>
                       <a:prstGeom prst="rect">
                         <a:avLst/>
@@ -18668,8 +19257,8 @@
         </p:nvSpPr>
         <p:spPr bwMode="auto">
           <a:xfrm>
-            <a:off x="2095500" y="1957388"/>
-            <a:ext cx="4724400" cy="1060450"/>
+            <a:off x="1828800" y="1957388"/>
+            <a:ext cx="5219700" cy="1166812"/>
           </a:xfrm>
           <a:prstGeom prst="rect">
             <a:avLst/>
@@ -18712,10 +19301,37 @@
               <a:t> </a:t>
             </a:r>
             <a:r>
-              <a:rPr lang="en-US" sz="5400" b="1" dirty="0">
-                <a:latin typeface="Comic Sans MS" pitchFamily="66" charset="0"/>
-              </a:rPr>
-              <a:t>= </a:t>
+              <a:rPr lang="en-US" sz="5400" dirty="0" smtClean="0">
+                <a:solidFill>
+                  <a:schemeClr val="accent5">
+                    <a:lumMod val="50000"/>
+                  </a:schemeClr>
+                </a:solidFill>
+                <a:latin typeface="Comic Sans MS" pitchFamily="66" charset="0"/>
+              </a:rPr>
+              <a:t> </a:t>
+            </a:r>
+            <a:r>
+              <a:rPr lang="en-US" sz="5400" b="1" dirty="0" smtClean="0">
+                <a:latin typeface="Euclid Symbol" charset="2"/>
+                <a:cs typeface="Euclid Symbol" charset="2"/>
+              </a:rPr>
+              <a:t>=</a:t>
+            </a:r>
+            <a:r>
+              <a:rPr lang="en-US" sz="5400" b="1" dirty="0" smtClean="0">
+                <a:latin typeface="Comic Sans MS" pitchFamily="66" charset="0"/>
+              </a:rPr>
+              <a:t> </a:t>
+            </a:r>
+            <a:r>
+              <a:rPr lang="en-US" sz="5400" dirty="0" smtClean="0">
+                <a:solidFill>
+                  <a:srgbClr val="FF33CC"/>
+                </a:solidFill>
+                <a:latin typeface="Comic Sans MS" pitchFamily="66" charset="0"/>
+              </a:rPr>
+              <a:t>O</a:t>
             </a:r>
             <a:r>
               <a:rPr lang="en-US" sz="5400" dirty="0">
@@ -18724,7 +19340,7 @@
                 </a:solidFill>
                 <a:latin typeface="Comic Sans MS" pitchFamily="66" charset="0"/>
               </a:rPr>
-              <a:t>O(</a:t>
+              <a:t>(</a:t>
             </a:r>
             <a:r>
               <a:rPr lang="en-US" sz="5400" dirty="0">
@@ -18763,7 +19379,7 @@
           <a:graphicData uri="http://schemas.openxmlformats.org/presentationml/2006/ole">
             <mc:AlternateContent xmlns:mc="http://schemas.openxmlformats.org/markup-compatibility/2006">
               <mc:Choice xmlns:v="urn:schemas-microsoft-com:vml" Requires="v">
-                <p:oleObj spid="_x0000_s155668" name="Equation" r:id="rId4" imgW="1689100" imgH="482600" progId="Equation.DSMT4">
+                <p:oleObj spid="_x0000_s155672" name="Equation" r:id="rId4" imgW="1689100" imgH="482600" progId="Equation.DSMT4">
                   <p:embed/>
                 </p:oleObj>
               </mc:Choice>
@@ -19278,22 +19894,28 @@
           <p:cNvGraphicFramePr>
             <a:graphicFrameLocks noChangeAspect="1"/>
           </p:cNvGraphicFramePr>
-          <p:nvPr/>
+          <p:nvPr>
+            <p:extLst>
+              <p:ext uri="{D42A27DB-BD31-4B8C-83A1-F6EECF244321}">
+                <p14:modId xmlns:p14="http://schemas.microsoft.com/office/powerpoint/2010/main" val="1236512052"/>
+              </p:ext>
+            </p:extLst>
+          </p:nvPr>
         </p:nvGraphicFramePr>
         <p:xfrm>
-          <a:off x="2141538" y="869950"/>
-          <a:ext cx="4846637" cy="1408113"/>
+          <a:off x="2141538" y="830263"/>
+          <a:ext cx="4846637" cy="1487487"/>
         </p:xfrm>
         <a:graphic>
           <a:graphicData uri="http://schemas.openxmlformats.org/presentationml/2006/ole">
             <mc:AlternateContent xmlns:mc="http://schemas.openxmlformats.org/markup-compatibility/2006">
               <mc:Choice xmlns:v="urn:schemas-microsoft-com:vml" Requires="v">
-                <p:oleObj spid="_x0000_s156704" name="Equation" r:id="rId4" imgW="787320" imgH="228600" progId="Equation.DSMT4">
+                <p:oleObj spid="_x0000_s156713" name="Equation" r:id="rId4" imgW="787400" imgH="241300" progId="Equation.DSMT4">
                   <p:embed/>
                 </p:oleObj>
               </mc:Choice>
               <mc:Fallback>
-                <p:oleObj name="Equation" r:id="rId4" imgW="787320" imgH="228600" progId="Equation.DSMT4">
+                <p:oleObj name="Equation" r:id="rId4" imgW="787400" imgH="241300" progId="Equation.DSMT4">
                   <p:embed/>
                   <p:pic>
                     <p:nvPicPr>
@@ -19304,13 +19926,7 @@
                       <p:nvPr/>
                     </p:nvPicPr>
                     <p:blipFill>
-                      <a:blip r:embed="rId5">
-                        <a:extLst>
-                          <a:ext uri="{28A0092B-C50C-407E-A947-70E740481C1C}">
-                            <a14:useLocalDpi xmlns:a14="http://schemas.microsoft.com/office/drawing/2010/main" val="0"/>
-                          </a:ext>
-                        </a:extLst>
-                      </a:blip>
+                      <a:blip r:embed="rId5"/>
                       <a:srcRect/>
                       <a:stretch>
                         <a:fillRect/>
@@ -19318,8 +19934,8 @@
                     </p:blipFill>
                     <p:spPr bwMode="auto">
                       <a:xfrm>
-                        <a:off x="2141538" y="869950"/>
-                        <a:ext cx="4846637" cy="1408113"/>
+                        <a:off x="2141538" y="830263"/>
+                        <a:ext cx="4846637" cy="1487487"/>
                       </a:xfrm>
                       <a:prstGeom prst="rect">
                         <a:avLst/>
@@ -19358,7 +19974,7 @@
           <a:graphicData uri="http://schemas.openxmlformats.org/presentationml/2006/ole">
             <mc:AlternateContent xmlns:mc="http://schemas.openxmlformats.org/markup-compatibility/2006">
               <mc:Choice xmlns:v="urn:schemas-microsoft-com:vml" Requires="v">
-                <p:oleObj spid="_x0000_s156705" name="Equation" r:id="rId6" imgW="1028700" imgH="444500" progId="Equation.DSMT4">
+                <p:oleObj spid="_x0000_s156714" name="Equation" r:id="rId6" imgW="1028700" imgH="444500" progId="Equation.DSMT4">
                   <p:embed/>
                 </p:oleObj>
               </mc:Choice>
@@ -19417,6 +20033,18 @@
   <p:clrMapOvr>
     <a:masterClrMapping/>
   </p:clrMapOvr>
+  <mc:AlternateContent xmlns:mc="http://schemas.openxmlformats.org/markup-compatibility/2006">
+    <mc:Choice xmlns:p14="http://schemas.microsoft.com/office/powerpoint/2010/main" Requires="p14">
+      <p:transition spd="med" p14:dur="700">
+        <p:fade/>
+      </p:transition>
+    </mc:Choice>
+    <mc:Fallback>
+      <p:transition xmlns:p14="http://schemas.microsoft.com/office/powerpoint/2010/main" spd="med">
+        <p:fade/>
+      </p:transition>
+    </mc:Fallback>
+  </mc:AlternateContent>
   <p:timing>
     <p:tnLst>
       <p:par>
